--- a/slides/mlps/templates/singlelay_2.pptx
+++ b/slides/mlps/templates/singlelay_2.pptx
@@ -107,6 +107,11 @@
       </a:defRPr>
     </a:lvl9pPr>
   </p:defaultTextStyle>
+  <p:extLst>
+    <p:ext uri="{EFAFB233-063F-42B5-8137-9DF3F51BA10A}">
+      <p15:sldGuideLst xmlns:p15="http://schemas.microsoft.com/office/powerpoint/2012/main"/>
+    </p:ext>
+  </p:extLst>
 </p:presentation>
 </file>
 
@@ -192,7 +197,7 @@
           <a:p>
             <a:fld id="{39B8C5C2-A878-6B4C-8ED0-37DE238BF5EE}" type="datetimeFigureOut">
               <a:rPr lang="en-DE" smtClean="0"/>
-              <a:t>17.01.21</a:t>
+              <a:t>05.03.21</a:t>
             </a:fld>
             <a:endParaRPr lang="en-DE"/>
           </a:p>
@@ -718,7 +723,7 @@
           <a:p>
             <a:fld id="{ACAA2965-6CB1-ED4A-93B7-0271D4AADEF9}" type="datetimeFigureOut">
               <a:rPr lang="en-DE" smtClean="0"/>
-              <a:t>17.01.21</a:t>
+              <a:t>05.03.21</a:t>
             </a:fld>
             <a:endParaRPr lang="en-DE"/>
           </a:p>
@@ -918,7 +923,7 @@
           <a:p>
             <a:fld id="{ACAA2965-6CB1-ED4A-93B7-0271D4AADEF9}" type="datetimeFigureOut">
               <a:rPr lang="en-DE" smtClean="0"/>
-              <a:t>17.01.21</a:t>
+              <a:t>05.03.21</a:t>
             </a:fld>
             <a:endParaRPr lang="en-DE"/>
           </a:p>
@@ -1128,7 +1133,7 @@
           <a:p>
             <a:fld id="{ACAA2965-6CB1-ED4A-93B7-0271D4AADEF9}" type="datetimeFigureOut">
               <a:rPr lang="en-DE" smtClean="0"/>
-              <a:t>17.01.21</a:t>
+              <a:t>05.03.21</a:t>
             </a:fld>
             <a:endParaRPr lang="en-DE"/>
           </a:p>
@@ -1687,7 +1692,7 @@
           <a:p>
             <a:fld id="{ACAA2965-6CB1-ED4A-93B7-0271D4AADEF9}" type="datetimeFigureOut">
               <a:rPr lang="en-DE" smtClean="0"/>
-              <a:t>17.01.21</a:t>
+              <a:t>05.03.21</a:t>
             </a:fld>
             <a:endParaRPr lang="en-DE"/>
           </a:p>
@@ -1963,7 +1968,7 @@
           <a:p>
             <a:fld id="{ACAA2965-6CB1-ED4A-93B7-0271D4AADEF9}" type="datetimeFigureOut">
               <a:rPr lang="en-DE" smtClean="0"/>
-              <a:t>17.01.21</a:t>
+              <a:t>05.03.21</a:t>
             </a:fld>
             <a:endParaRPr lang="en-DE"/>
           </a:p>
@@ -2231,7 +2236,7 @@
           <a:p>
             <a:fld id="{ACAA2965-6CB1-ED4A-93B7-0271D4AADEF9}" type="datetimeFigureOut">
               <a:rPr lang="en-DE" smtClean="0"/>
-              <a:t>17.01.21</a:t>
+              <a:t>05.03.21</a:t>
             </a:fld>
             <a:endParaRPr lang="en-DE"/>
           </a:p>
@@ -2646,7 +2651,7 @@
           <a:p>
             <a:fld id="{ACAA2965-6CB1-ED4A-93B7-0271D4AADEF9}" type="datetimeFigureOut">
               <a:rPr lang="en-DE" smtClean="0"/>
-              <a:t>17.01.21</a:t>
+              <a:t>05.03.21</a:t>
             </a:fld>
             <a:endParaRPr lang="en-DE"/>
           </a:p>
@@ -2788,7 +2793,7 @@
           <a:p>
             <a:fld id="{ACAA2965-6CB1-ED4A-93B7-0271D4AADEF9}" type="datetimeFigureOut">
               <a:rPr lang="en-DE" smtClean="0"/>
-              <a:t>17.01.21</a:t>
+              <a:t>05.03.21</a:t>
             </a:fld>
             <a:endParaRPr lang="en-DE"/>
           </a:p>
@@ -2901,7 +2906,7 @@
           <a:p>
             <a:fld id="{ACAA2965-6CB1-ED4A-93B7-0271D4AADEF9}" type="datetimeFigureOut">
               <a:rPr lang="en-DE" smtClean="0"/>
-              <a:t>17.01.21</a:t>
+              <a:t>05.03.21</a:t>
             </a:fld>
             <a:endParaRPr lang="en-DE"/>
           </a:p>
@@ -3214,7 +3219,7 @@
           <a:p>
             <a:fld id="{ACAA2965-6CB1-ED4A-93B7-0271D4AADEF9}" type="datetimeFigureOut">
               <a:rPr lang="en-DE" smtClean="0"/>
-              <a:t>17.01.21</a:t>
+              <a:t>05.03.21</a:t>
             </a:fld>
             <a:endParaRPr lang="en-DE"/>
           </a:p>
@@ -3503,7 +3508,7 @@
           <a:p>
             <a:fld id="{ACAA2965-6CB1-ED4A-93B7-0271D4AADEF9}" type="datetimeFigureOut">
               <a:rPr lang="en-DE" smtClean="0"/>
-              <a:t>17.01.21</a:t>
+              <a:t>05.03.21</a:t>
             </a:fld>
             <a:endParaRPr lang="en-DE"/>
           </a:p>
@@ -3746,7 +3751,7 @@
           <a:p>
             <a:fld id="{ACAA2965-6CB1-ED4A-93B7-0271D4AADEF9}" type="datetimeFigureOut">
               <a:rPr lang="en-DE" smtClean="0"/>
-              <a:t>17.01.21</a:t>
+              <a:t>05.03.21</a:t>
             </a:fld>
             <a:endParaRPr lang="en-DE"/>
           </a:p>
@@ -4166,10 +4171,10 @@
       </p:grpSpPr>
       <p:grpSp>
         <p:nvGrpSpPr>
-          <p:cNvPr id="5" name="Group 4">
+          <p:cNvPr id="4" name="Group 3">
             <a:extLst>
               <a:ext uri="{FF2B5EF4-FFF2-40B4-BE49-F238E27FC236}">
-                <a16:creationId xmlns:a16="http://schemas.microsoft.com/office/drawing/2014/main" id="{13B9301B-E7D0-BA40-81FF-DF3A243B41B2}"/>
+                <a16:creationId xmlns:a16="http://schemas.microsoft.com/office/drawing/2014/main" id="{D56D14C5-E19C-604F-B4EF-FF7DBAED4686}"/>
               </a:ext>
             </a:extLst>
           </p:cNvPr>
@@ -4179,17 +4184,17 @@
         <p:grpSpPr>
           <a:xfrm>
             <a:off x="2560467" y="585600"/>
-            <a:ext cx="7071067" cy="5675108"/>
-            <a:chOff x="1920350" y="439200"/>
-            <a:chExt cx="5303300" cy="4256331"/>
+            <a:ext cx="7071067" cy="4521460"/>
+            <a:chOff x="1920350" y="995560"/>
+            <a:chExt cx="5303300" cy="3391095"/>
           </a:xfrm>
         </p:grpSpPr>
         <p:grpSp>
           <p:nvGrpSpPr>
-            <p:cNvPr id="4" name="Group 3">
+            <p:cNvPr id="2" name="Group 1">
               <a:extLst>
                 <a:ext uri="{FF2B5EF4-FFF2-40B4-BE49-F238E27FC236}">
-                  <a16:creationId xmlns:a16="http://schemas.microsoft.com/office/drawing/2014/main" id="{D56D14C5-E19C-604F-B4EF-FF7DBAED4686}"/>
+                  <a16:creationId xmlns:a16="http://schemas.microsoft.com/office/drawing/2014/main" id="{69E18EAE-803A-BA42-BEF9-385B34862A17}"/>
                 </a:ext>
               </a:extLst>
             </p:cNvPr>
@@ -4198,48 +4203,138 @@
           </p:nvGrpSpPr>
           <p:grpSpPr>
             <a:xfrm>
-              <a:off x="1920350" y="439200"/>
-              <a:ext cx="5303300" cy="3391095"/>
-              <a:chOff x="1920350" y="995560"/>
-              <a:chExt cx="5303300" cy="3391095"/>
+              <a:off x="2050850" y="1556701"/>
+              <a:ext cx="4974500" cy="2829954"/>
+              <a:chOff x="1299525" y="1003307"/>
+              <a:chExt cx="4974500" cy="2829954"/>
             </a:xfrm>
           </p:grpSpPr>
+          <p:sp>
+            <p:nvSpPr>
+              <p:cNvPr id="137" name="Google Shape;137;p16"/>
+              <p:cNvSpPr/>
+              <p:nvPr/>
+            </p:nvSpPr>
+            <p:spPr>
+              <a:xfrm>
+                <a:off x="1299525" y="1453950"/>
+                <a:ext cx="600600" cy="600600"/>
+              </a:xfrm>
+              <a:prstGeom prst="ellipse">
+                <a:avLst/>
+              </a:prstGeom>
+              <a:solidFill>
+                <a:srgbClr val="ECCC24"/>
+              </a:solidFill>
+              <a:ln>
+                <a:noFill/>
+              </a:ln>
+            </p:spPr>
+            <p:txBody>
+              <a:bodyPr spcFirstLastPara="1" wrap="square" lIns="121900" tIns="121900" rIns="121900" bIns="121900" anchor="ctr" anchorCtr="0">
+                <a:noAutofit/>
+              </a:bodyPr>
+              <a:lstStyle/>
+              <a:p>
+                <a:endParaRPr sz="2400"/>
+              </a:p>
+            </p:txBody>
+          </p:sp>
+          <p:sp>
+            <p:nvSpPr>
+              <p:cNvPr id="138" name="Google Shape;138;p16"/>
+              <p:cNvSpPr/>
+              <p:nvPr/>
+            </p:nvSpPr>
+            <p:spPr>
+              <a:xfrm>
+                <a:off x="1299525" y="2172450"/>
+                <a:ext cx="600600" cy="600600"/>
+              </a:xfrm>
+              <a:prstGeom prst="ellipse">
+                <a:avLst/>
+              </a:prstGeom>
+              <a:solidFill>
+                <a:srgbClr val="ECCC24"/>
+              </a:solidFill>
+              <a:ln>
+                <a:noFill/>
+              </a:ln>
+            </p:spPr>
+            <p:txBody>
+              <a:bodyPr spcFirstLastPara="1" wrap="square" lIns="121900" tIns="121900" rIns="121900" bIns="121900" anchor="ctr" anchorCtr="0">
+                <a:noAutofit/>
+              </a:bodyPr>
+              <a:lstStyle/>
+              <a:p>
+                <a:endParaRPr sz="2400"/>
+              </a:p>
+            </p:txBody>
+          </p:sp>
+          <p:sp>
+            <p:nvSpPr>
+              <p:cNvPr id="139" name="Google Shape;139;p16"/>
+              <p:cNvSpPr/>
+              <p:nvPr/>
+            </p:nvSpPr>
+            <p:spPr>
+              <a:xfrm>
+                <a:off x="1299525" y="2890950"/>
+                <a:ext cx="600600" cy="600600"/>
+              </a:xfrm>
+              <a:prstGeom prst="ellipse">
+                <a:avLst/>
+              </a:prstGeom>
+              <a:solidFill>
+                <a:srgbClr val="ECCC24"/>
+              </a:solidFill>
+              <a:ln>
+                <a:noFill/>
+              </a:ln>
+            </p:spPr>
+            <p:txBody>
+              <a:bodyPr spcFirstLastPara="1" wrap="square" lIns="121900" tIns="121900" rIns="121900" bIns="121900" anchor="ctr" anchorCtr="0">
+                <a:noAutofit/>
+              </a:bodyPr>
+              <a:lstStyle/>
+              <a:p>
+                <a:endParaRPr sz="2400"/>
+              </a:p>
+            </p:txBody>
+          </p:sp>
           <p:grpSp>
             <p:nvGrpSpPr>
-              <p:cNvPr id="2" name="Group 1">
-                <a:extLst>
-                  <a:ext uri="{FF2B5EF4-FFF2-40B4-BE49-F238E27FC236}">
-                    <a16:creationId xmlns:a16="http://schemas.microsoft.com/office/drawing/2014/main" id="{69E18EAE-803A-BA42-BEF9-385B34862A17}"/>
-                  </a:ext>
-                </a:extLst>
-              </p:cNvPr>
+              <p:cNvPr id="140" name="Google Shape;140;p16"/>
               <p:cNvGrpSpPr/>
               <p:nvPr/>
             </p:nvGrpSpPr>
             <p:grpSpPr>
               <a:xfrm>
-                <a:off x="2050850" y="1556701"/>
-                <a:ext cx="4974500" cy="2829954"/>
-                <a:chOff x="1299525" y="1003307"/>
-                <a:chExt cx="4974500" cy="2829954"/>
+                <a:off x="3522106" y="1003307"/>
+                <a:ext cx="600569" cy="600579"/>
+                <a:chOff x="4861200" y="959925"/>
+                <a:chExt cx="689200" cy="688500"/>
               </a:xfrm>
             </p:grpSpPr>
             <p:sp>
               <p:nvSpPr>
-                <p:cNvPr id="137" name="Google Shape;137;p16"/>
+                <p:cNvPr id="141" name="Google Shape;141;p16"/>
                 <p:cNvSpPr/>
                 <p:nvPr/>
               </p:nvSpPr>
               <p:spPr>
                 <a:xfrm>
-                  <a:off x="1299525" y="1453950"/>
-                  <a:ext cx="600600" cy="600600"/>
+                  <a:off x="4861200" y="959925"/>
+                  <a:ext cx="689100" cy="688500"/>
                 </a:xfrm>
-                <a:prstGeom prst="ellipse">
-                  <a:avLst/>
+                <a:prstGeom prst="pie">
+                  <a:avLst>
+                    <a:gd name="adj1" fmla="val 5396744"/>
+                    <a:gd name="adj2" fmla="val 16200000"/>
+                  </a:avLst>
                 </a:prstGeom>
                 <a:solidFill>
-                  <a:srgbClr val="ECCC24"/>
+                  <a:srgbClr val="A2C4C9"/>
                 </a:solidFill>
                 <a:ln>
                   <a:noFill/>
@@ -4257,20 +4352,72 @@
             </p:sp>
             <p:sp>
               <p:nvSpPr>
-                <p:cNvPr id="138" name="Google Shape;138;p16"/>
+                <p:cNvPr id="142" name="Google Shape;142;p16"/>
+                <p:cNvSpPr/>
+                <p:nvPr/>
+              </p:nvSpPr>
+              <p:spPr>
+                <a:xfrm rot="10800000">
+                  <a:off x="4861300" y="959925"/>
+                  <a:ext cx="689100" cy="688500"/>
+                </a:xfrm>
+                <a:prstGeom prst="pie">
+                  <a:avLst>
+                    <a:gd name="adj1" fmla="val 5396744"/>
+                    <a:gd name="adj2" fmla="val 16200000"/>
+                  </a:avLst>
+                </a:prstGeom>
+                <a:solidFill>
+                  <a:srgbClr val="45818E"/>
+                </a:solidFill>
+                <a:ln>
+                  <a:noFill/>
+                </a:ln>
+              </p:spPr>
+              <p:txBody>
+                <a:bodyPr spcFirstLastPara="1" wrap="square" lIns="121900" tIns="121900" rIns="121900" bIns="121900" anchor="ctr" anchorCtr="0">
+                  <a:noAutofit/>
+                </a:bodyPr>
+                <a:lstStyle/>
+                <a:p>
+                  <a:endParaRPr sz="2400"/>
+                </a:p>
+              </p:txBody>
+            </p:sp>
+          </p:grpSp>
+          <p:grpSp>
+            <p:nvGrpSpPr>
+              <p:cNvPr id="143" name="Google Shape;143;p16"/>
+              <p:cNvGrpSpPr/>
+              <p:nvPr/>
+            </p:nvGrpSpPr>
+            <p:grpSpPr>
+              <a:xfrm>
+                <a:off x="3522106" y="1746432"/>
+                <a:ext cx="600569" cy="600579"/>
+                <a:chOff x="4861200" y="959925"/>
+                <a:chExt cx="689200" cy="688500"/>
+              </a:xfrm>
+            </p:grpSpPr>
+            <p:sp>
+              <p:nvSpPr>
+                <p:cNvPr id="144" name="Google Shape;144;p16"/>
                 <p:cNvSpPr/>
                 <p:nvPr/>
               </p:nvSpPr>
               <p:spPr>
                 <a:xfrm>
-                  <a:off x="1299525" y="2172450"/>
-                  <a:ext cx="600600" cy="600600"/>
+                  <a:off x="4861200" y="959925"/>
+                  <a:ext cx="689100" cy="688500"/>
                 </a:xfrm>
-                <a:prstGeom prst="ellipse">
-                  <a:avLst/>
+                <a:prstGeom prst="pie">
+                  <a:avLst>
+                    <a:gd name="adj1" fmla="val 5396744"/>
+                    <a:gd name="adj2" fmla="val 16200000"/>
+                  </a:avLst>
                 </a:prstGeom>
                 <a:solidFill>
-                  <a:srgbClr val="ECCC24"/>
+                  <a:srgbClr val="A2C4C9"/>
                 </a:solidFill>
                 <a:ln>
                   <a:noFill/>
@@ -4288,20 +4435,23 @@
             </p:sp>
             <p:sp>
               <p:nvSpPr>
-                <p:cNvPr id="139" name="Google Shape;139;p16"/>
+                <p:cNvPr id="145" name="Google Shape;145;p16"/>
                 <p:cNvSpPr/>
                 <p:nvPr/>
               </p:nvSpPr>
               <p:spPr>
-                <a:xfrm>
-                  <a:off x="1299525" y="2890950"/>
-                  <a:ext cx="600600" cy="600600"/>
+                <a:xfrm rot="10800000">
+                  <a:off x="4861300" y="959925"/>
+                  <a:ext cx="689100" cy="688500"/>
                 </a:xfrm>
-                <a:prstGeom prst="ellipse">
-                  <a:avLst/>
+                <a:prstGeom prst="pie">
+                  <a:avLst>
+                    <a:gd name="adj1" fmla="val 5396744"/>
+                    <a:gd name="adj2" fmla="val 16200000"/>
+                  </a:avLst>
                 </a:prstGeom>
                 <a:solidFill>
-                  <a:srgbClr val="ECCC24"/>
+                  <a:srgbClr val="45818E"/>
                 </a:solidFill>
                 <a:ln>
                   <a:noFill/>
@@ -4317,1021 +4467,747 @@
                 </a:p>
               </p:txBody>
             </p:sp>
-            <p:grpSp>
-              <p:nvGrpSpPr>
-                <p:cNvPr id="140" name="Google Shape;140;p16"/>
-                <p:cNvGrpSpPr/>
-                <p:nvPr/>
-              </p:nvGrpSpPr>
-              <p:grpSpPr>
-                <a:xfrm>
-                  <a:off x="3522106" y="1003307"/>
-                  <a:ext cx="600569" cy="600579"/>
-                  <a:chOff x="4861200" y="959925"/>
-                  <a:chExt cx="689200" cy="688500"/>
-                </a:xfrm>
-              </p:grpSpPr>
-              <p:sp>
-                <p:nvSpPr>
-                  <p:cNvPr id="141" name="Google Shape;141;p16"/>
-                  <p:cNvSpPr/>
-                  <p:nvPr/>
-                </p:nvSpPr>
-                <p:spPr>
-                  <a:xfrm>
-                    <a:off x="4861200" y="959925"/>
-                    <a:ext cx="689100" cy="688500"/>
-                  </a:xfrm>
-                  <a:prstGeom prst="pie">
-                    <a:avLst>
-                      <a:gd name="adj1" fmla="val 5396744"/>
-                      <a:gd name="adj2" fmla="val 16200000"/>
-                    </a:avLst>
-                  </a:prstGeom>
-                  <a:solidFill>
-                    <a:srgbClr val="A2C4C9"/>
-                  </a:solidFill>
-                  <a:ln>
-                    <a:noFill/>
-                  </a:ln>
-                </p:spPr>
-                <p:txBody>
-                  <a:bodyPr spcFirstLastPara="1" wrap="square" lIns="121900" tIns="121900" rIns="121900" bIns="121900" anchor="ctr" anchorCtr="0">
-                    <a:noAutofit/>
-                  </a:bodyPr>
-                  <a:lstStyle/>
-                  <a:p>
-                    <a:endParaRPr sz="2400"/>
-                  </a:p>
-                </p:txBody>
-              </p:sp>
-              <p:sp>
-                <p:nvSpPr>
-                  <p:cNvPr id="142" name="Google Shape;142;p16"/>
-                  <p:cNvSpPr/>
-                  <p:nvPr/>
-                </p:nvSpPr>
-                <p:spPr>
-                  <a:xfrm rot="10800000">
-                    <a:off x="4861300" y="959925"/>
-                    <a:ext cx="689100" cy="688500"/>
-                  </a:xfrm>
-                  <a:prstGeom prst="pie">
-                    <a:avLst>
-                      <a:gd name="adj1" fmla="val 5396744"/>
-                      <a:gd name="adj2" fmla="val 16200000"/>
-                    </a:avLst>
-                  </a:prstGeom>
-                  <a:solidFill>
-                    <a:srgbClr val="45818E"/>
-                  </a:solidFill>
-                  <a:ln>
-                    <a:noFill/>
-                  </a:ln>
-                </p:spPr>
-                <p:txBody>
-                  <a:bodyPr spcFirstLastPara="1" wrap="square" lIns="121900" tIns="121900" rIns="121900" bIns="121900" anchor="ctr" anchorCtr="0">
-                    <a:noAutofit/>
-                  </a:bodyPr>
-                  <a:lstStyle/>
-                  <a:p>
-                    <a:endParaRPr sz="2400"/>
-                  </a:p>
-                </p:txBody>
-              </p:sp>
-            </p:grpSp>
-            <p:grpSp>
-              <p:nvGrpSpPr>
-                <p:cNvPr id="143" name="Google Shape;143;p16"/>
-                <p:cNvGrpSpPr/>
-                <p:nvPr/>
-              </p:nvGrpSpPr>
-              <p:grpSpPr>
-                <a:xfrm>
-                  <a:off x="3522106" y="1746432"/>
-                  <a:ext cx="600569" cy="600579"/>
-                  <a:chOff x="4861200" y="959925"/>
-                  <a:chExt cx="689200" cy="688500"/>
-                </a:xfrm>
-              </p:grpSpPr>
-              <p:sp>
-                <p:nvSpPr>
-                  <p:cNvPr id="144" name="Google Shape;144;p16"/>
-                  <p:cNvSpPr/>
-                  <p:nvPr/>
-                </p:nvSpPr>
-                <p:spPr>
-                  <a:xfrm>
-                    <a:off x="4861200" y="959925"/>
-                    <a:ext cx="689100" cy="688500"/>
-                  </a:xfrm>
-                  <a:prstGeom prst="pie">
-                    <a:avLst>
-                      <a:gd name="adj1" fmla="val 5396744"/>
-                      <a:gd name="adj2" fmla="val 16200000"/>
-                    </a:avLst>
-                  </a:prstGeom>
-                  <a:solidFill>
-                    <a:srgbClr val="A2C4C9"/>
-                  </a:solidFill>
-                  <a:ln>
-                    <a:noFill/>
-                  </a:ln>
-                </p:spPr>
-                <p:txBody>
-                  <a:bodyPr spcFirstLastPara="1" wrap="square" lIns="121900" tIns="121900" rIns="121900" bIns="121900" anchor="ctr" anchorCtr="0">
-                    <a:noAutofit/>
-                  </a:bodyPr>
-                  <a:lstStyle/>
-                  <a:p>
-                    <a:endParaRPr sz="2400"/>
-                  </a:p>
-                </p:txBody>
-              </p:sp>
-              <p:sp>
-                <p:nvSpPr>
-                  <p:cNvPr id="145" name="Google Shape;145;p16"/>
-                  <p:cNvSpPr/>
-                  <p:nvPr/>
-                </p:nvSpPr>
-                <p:spPr>
-                  <a:xfrm rot="10800000">
-                    <a:off x="4861300" y="959925"/>
-                    <a:ext cx="689100" cy="688500"/>
-                  </a:xfrm>
-                  <a:prstGeom prst="pie">
-                    <a:avLst>
-                      <a:gd name="adj1" fmla="val 5396744"/>
-                      <a:gd name="adj2" fmla="val 16200000"/>
-                    </a:avLst>
-                  </a:prstGeom>
-                  <a:solidFill>
-                    <a:srgbClr val="45818E"/>
-                  </a:solidFill>
-                  <a:ln>
-                    <a:noFill/>
-                  </a:ln>
-                </p:spPr>
-                <p:txBody>
-                  <a:bodyPr spcFirstLastPara="1" wrap="square" lIns="121900" tIns="121900" rIns="121900" bIns="121900" anchor="ctr" anchorCtr="0">
-                    <a:noAutofit/>
-                  </a:bodyPr>
-                  <a:lstStyle/>
-                  <a:p>
-                    <a:endParaRPr sz="2400"/>
-                  </a:p>
-                </p:txBody>
-              </p:sp>
-            </p:grpSp>
-            <p:grpSp>
-              <p:nvGrpSpPr>
-                <p:cNvPr id="146" name="Google Shape;146;p16"/>
-                <p:cNvGrpSpPr/>
-                <p:nvPr/>
-              </p:nvGrpSpPr>
-              <p:grpSpPr>
-                <a:xfrm>
-                  <a:off x="3522106" y="2489557"/>
-                  <a:ext cx="600569" cy="600579"/>
-                  <a:chOff x="4861200" y="959925"/>
-                  <a:chExt cx="689200" cy="688500"/>
-                </a:xfrm>
-              </p:grpSpPr>
-              <p:sp>
-                <p:nvSpPr>
-                  <p:cNvPr id="147" name="Google Shape;147;p16"/>
-                  <p:cNvSpPr/>
-                  <p:nvPr/>
-                </p:nvSpPr>
-                <p:spPr>
-                  <a:xfrm>
-                    <a:off x="4861200" y="959925"/>
-                    <a:ext cx="689100" cy="688500"/>
-                  </a:xfrm>
-                  <a:prstGeom prst="pie">
-                    <a:avLst>
-                      <a:gd name="adj1" fmla="val 5396744"/>
-                      <a:gd name="adj2" fmla="val 16200000"/>
-                    </a:avLst>
-                  </a:prstGeom>
-                  <a:solidFill>
-                    <a:srgbClr val="A2C4C9"/>
-                  </a:solidFill>
-                  <a:ln>
-                    <a:noFill/>
-                  </a:ln>
-                </p:spPr>
-                <p:txBody>
-                  <a:bodyPr spcFirstLastPara="1" wrap="square" lIns="121900" tIns="121900" rIns="121900" bIns="121900" anchor="ctr" anchorCtr="0">
-                    <a:noAutofit/>
-                  </a:bodyPr>
-                  <a:lstStyle/>
-                  <a:p>
-                    <a:endParaRPr sz="2400"/>
-                  </a:p>
-                </p:txBody>
-              </p:sp>
-              <p:sp>
-                <p:nvSpPr>
-                  <p:cNvPr id="148" name="Google Shape;148;p16"/>
-                  <p:cNvSpPr/>
-                  <p:nvPr/>
-                </p:nvSpPr>
-                <p:spPr>
-                  <a:xfrm rot="10800000">
-                    <a:off x="4861300" y="959925"/>
-                    <a:ext cx="689100" cy="688500"/>
-                  </a:xfrm>
-                  <a:prstGeom prst="pie">
-                    <a:avLst>
-                      <a:gd name="adj1" fmla="val 5396744"/>
-                      <a:gd name="adj2" fmla="val 16200000"/>
-                    </a:avLst>
-                  </a:prstGeom>
-                  <a:solidFill>
-                    <a:srgbClr val="45818E"/>
-                  </a:solidFill>
-                  <a:ln>
-                    <a:noFill/>
-                  </a:ln>
-                </p:spPr>
-                <p:txBody>
-                  <a:bodyPr spcFirstLastPara="1" wrap="square" lIns="121900" tIns="121900" rIns="121900" bIns="121900" anchor="ctr" anchorCtr="0">
-                    <a:noAutofit/>
-                  </a:bodyPr>
-                  <a:lstStyle/>
-                  <a:p>
-                    <a:endParaRPr sz="2400"/>
-                  </a:p>
-                </p:txBody>
-              </p:sp>
-            </p:grpSp>
-            <p:grpSp>
-              <p:nvGrpSpPr>
-                <p:cNvPr id="149" name="Google Shape;149;p16"/>
-                <p:cNvGrpSpPr/>
-                <p:nvPr/>
-              </p:nvGrpSpPr>
-              <p:grpSpPr>
-                <a:xfrm>
-                  <a:off x="3522106" y="3232682"/>
-                  <a:ext cx="600569" cy="600579"/>
-                  <a:chOff x="4861200" y="959925"/>
-                  <a:chExt cx="689200" cy="688500"/>
-                </a:xfrm>
-              </p:grpSpPr>
-              <p:sp>
-                <p:nvSpPr>
-                  <p:cNvPr id="150" name="Google Shape;150;p16"/>
-                  <p:cNvSpPr/>
-                  <p:nvPr/>
-                </p:nvSpPr>
-                <p:spPr>
-                  <a:xfrm>
-                    <a:off x="4861200" y="959925"/>
-                    <a:ext cx="689100" cy="688500"/>
-                  </a:xfrm>
-                  <a:prstGeom prst="pie">
-                    <a:avLst>
-                      <a:gd name="adj1" fmla="val 5396744"/>
-                      <a:gd name="adj2" fmla="val 16200000"/>
-                    </a:avLst>
-                  </a:prstGeom>
-                  <a:solidFill>
-                    <a:srgbClr val="A2C4C9"/>
-                  </a:solidFill>
-                  <a:ln>
-                    <a:noFill/>
-                  </a:ln>
-                </p:spPr>
-                <p:txBody>
-                  <a:bodyPr spcFirstLastPara="1" wrap="square" lIns="121900" tIns="121900" rIns="121900" bIns="121900" anchor="ctr" anchorCtr="0">
-                    <a:noAutofit/>
-                  </a:bodyPr>
-                  <a:lstStyle/>
-                  <a:p>
-                    <a:endParaRPr sz="2400"/>
-                  </a:p>
-                </p:txBody>
-              </p:sp>
-              <p:sp>
-                <p:nvSpPr>
-                  <p:cNvPr id="151" name="Google Shape;151;p16"/>
-                  <p:cNvSpPr/>
-                  <p:nvPr/>
-                </p:nvSpPr>
-                <p:spPr>
-                  <a:xfrm rot="10800000">
-                    <a:off x="4861300" y="959925"/>
-                    <a:ext cx="689100" cy="688500"/>
-                  </a:xfrm>
-                  <a:prstGeom prst="pie">
-                    <a:avLst>
-                      <a:gd name="adj1" fmla="val 5396744"/>
-                      <a:gd name="adj2" fmla="val 16200000"/>
-                    </a:avLst>
-                  </a:prstGeom>
-                  <a:solidFill>
-                    <a:srgbClr val="45818E"/>
-                  </a:solidFill>
-                  <a:ln>
-                    <a:noFill/>
-                  </a:ln>
-                </p:spPr>
-                <p:txBody>
-                  <a:bodyPr spcFirstLastPara="1" wrap="square" lIns="121900" tIns="121900" rIns="121900" bIns="121900" anchor="ctr" anchorCtr="0">
-                    <a:noAutofit/>
-                  </a:bodyPr>
-                  <a:lstStyle/>
-                  <a:p>
-                    <a:endParaRPr sz="2400"/>
-                  </a:p>
-                </p:txBody>
-              </p:sp>
-            </p:grpSp>
-            <p:grpSp>
-              <p:nvGrpSpPr>
-                <p:cNvPr id="152" name="Google Shape;152;p16"/>
-                <p:cNvGrpSpPr/>
-                <p:nvPr/>
-              </p:nvGrpSpPr>
-              <p:grpSpPr>
-                <a:xfrm>
-                  <a:off x="5673456" y="2172469"/>
-                  <a:ext cx="600569" cy="600579"/>
-                  <a:chOff x="4861200" y="959925"/>
-                  <a:chExt cx="689200" cy="688500"/>
-                </a:xfrm>
-              </p:grpSpPr>
-              <p:sp>
-                <p:nvSpPr>
-                  <p:cNvPr id="153" name="Google Shape;153;p16"/>
-                  <p:cNvSpPr/>
-                  <p:nvPr/>
-                </p:nvSpPr>
-                <p:spPr>
-                  <a:xfrm>
-                    <a:off x="4861200" y="959925"/>
-                    <a:ext cx="689100" cy="688500"/>
-                  </a:xfrm>
-                  <a:prstGeom prst="pie">
-                    <a:avLst>
-                      <a:gd name="adj1" fmla="val 5396744"/>
-                      <a:gd name="adj2" fmla="val 16200000"/>
-                    </a:avLst>
-                  </a:prstGeom>
-                  <a:solidFill>
-                    <a:srgbClr val="B6D7A8"/>
-                  </a:solidFill>
-                  <a:ln>
-                    <a:noFill/>
-                  </a:ln>
-                </p:spPr>
-                <p:txBody>
-                  <a:bodyPr spcFirstLastPara="1" wrap="square" lIns="121900" tIns="121900" rIns="121900" bIns="121900" anchor="ctr" anchorCtr="0">
-                    <a:noAutofit/>
-                  </a:bodyPr>
-                  <a:lstStyle/>
-                  <a:p>
-                    <a:endParaRPr sz="2400"/>
-                  </a:p>
-                </p:txBody>
-              </p:sp>
-              <p:sp>
-                <p:nvSpPr>
-                  <p:cNvPr id="154" name="Google Shape;154;p16"/>
-                  <p:cNvSpPr/>
-                  <p:nvPr/>
-                </p:nvSpPr>
-                <p:spPr>
-                  <a:xfrm rot="10800000">
-                    <a:off x="4861300" y="959925"/>
-                    <a:ext cx="689100" cy="688500"/>
-                  </a:xfrm>
-                  <a:prstGeom prst="pie">
-                    <a:avLst>
-                      <a:gd name="adj1" fmla="val 5396744"/>
-                      <a:gd name="adj2" fmla="val 16200000"/>
-                    </a:avLst>
-                  </a:prstGeom>
-                  <a:solidFill>
-                    <a:srgbClr val="6AA84F"/>
-                  </a:solidFill>
-                  <a:ln>
-                    <a:noFill/>
-                  </a:ln>
-                </p:spPr>
-                <p:txBody>
-                  <a:bodyPr spcFirstLastPara="1" wrap="square" lIns="121900" tIns="121900" rIns="121900" bIns="121900" anchor="ctr" anchorCtr="0">
-                    <a:noAutofit/>
-                  </a:bodyPr>
-                  <a:lstStyle/>
-                  <a:p>
-                    <a:endParaRPr sz="2400"/>
-                  </a:p>
-                </p:txBody>
-              </p:sp>
-            </p:grpSp>
-            <p:cxnSp>
-              <p:nvCxnSpPr>
-                <p:cNvPr id="155" name="Google Shape;155;p16"/>
-                <p:cNvCxnSpPr>
-                  <a:stCxn id="137" idx="6"/>
-                  <a:endCxn id="141" idx="2"/>
-                </p:cNvCxnSpPr>
-                <p:nvPr/>
-              </p:nvCxnSpPr>
-              <p:spPr>
-                <a:xfrm rot="10800000" flipH="1">
-                  <a:off x="1900125" y="1303650"/>
-                  <a:ext cx="1622100" cy="450600"/>
-                </a:xfrm>
-                <a:prstGeom prst="straightConnector1">
-                  <a:avLst/>
-                </a:prstGeom>
-                <a:noFill/>
-                <a:ln w="19050" cap="flat" cmpd="sng">
-                  <a:solidFill>
-                    <a:srgbClr val="CCCCCC"/>
-                  </a:solidFill>
-                  <a:prstDash val="solid"/>
-                  <a:round/>
-                  <a:headEnd type="none" w="med" len="med"/>
-                  <a:tailEnd type="triangle" w="med" len="med"/>
-                </a:ln>
-              </p:spPr>
-            </p:cxnSp>
-            <p:cxnSp>
-              <p:nvCxnSpPr>
-                <p:cNvPr id="156" name="Google Shape;156;p16"/>
-                <p:cNvCxnSpPr>
-                  <a:stCxn id="137" idx="6"/>
-                  <a:endCxn id="144" idx="2"/>
-                </p:cNvCxnSpPr>
-                <p:nvPr/>
-              </p:nvCxnSpPr>
-              <p:spPr>
-                <a:xfrm>
-                  <a:off x="1900125" y="1754250"/>
-                  <a:ext cx="1622100" cy="292500"/>
-                </a:xfrm>
-                <a:prstGeom prst="straightConnector1">
-                  <a:avLst/>
-                </a:prstGeom>
-                <a:noFill/>
-                <a:ln w="19050" cap="flat" cmpd="sng">
-                  <a:solidFill>
-                    <a:schemeClr val="tx1"/>
-                  </a:solidFill>
-                  <a:prstDash val="solid"/>
-                  <a:round/>
-                  <a:headEnd type="none" w="med" len="med"/>
-                  <a:tailEnd type="triangle" w="med" len="med"/>
-                </a:ln>
-              </p:spPr>
-            </p:cxnSp>
-            <p:cxnSp>
-              <p:nvCxnSpPr>
-                <p:cNvPr id="157" name="Google Shape;157;p16"/>
-                <p:cNvCxnSpPr>
-                  <a:stCxn id="138" idx="6"/>
-                  <a:endCxn id="141" idx="2"/>
-                </p:cNvCxnSpPr>
-                <p:nvPr/>
-              </p:nvCxnSpPr>
-              <p:spPr>
-                <a:xfrm rot="10800000" flipH="1">
-                  <a:off x="1900125" y="1303650"/>
-                  <a:ext cx="1622100" cy="1169100"/>
-                </a:xfrm>
-                <a:prstGeom prst="straightConnector1">
-                  <a:avLst/>
-                </a:prstGeom>
-                <a:noFill/>
-                <a:ln w="19050" cap="flat" cmpd="sng">
-                  <a:solidFill>
-                    <a:srgbClr val="CCCCCC"/>
-                  </a:solidFill>
-                  <a:prstDash val="solid"/>
-                  <a:round/>
-                  <a:headEnd type="none" w="med" len="med"/>
-                  <a:tailEnd type="triangle" w="med" len="med"/>
-                </a:ln>
-              </p:spPr>
-            </p:cxnSp>
-            <p:cxnSp>
-              <p:nvCxnSpPr>
-                <p:cNvPr id="158" name="Google Shape;158;p16"/>
-                <p:cNvCxnSpPr>
-                  <a:stCxn id="137" idx="6"/>
-                  <a:endCxn id="150" idx="2"/>
-                </p:cNvCxnSpPr>
-                <p:nvPr/>
-              </p:nvCxnSpPr>
-              <p:spPr>
-                <a:xfrm>
-                  <a:off x="1900125" y="1754250"/>
-                  <a:ext cx="1622100" cy="1778700"/>
-                </a:xfrm>
-                <a:prstGeom prst="straightConnector1">
-                  <a:avLst/>
-                </a:prstGeom>
-                <a:noFill/>
-                <a:ln w="19050" cap="flat" cmpd="sng">
-                  <a:solidFill>
-                    <a:srgbClr val="CCCCCC"/>
-                  </a:solidFill>
-                  <a:prstDash val="solid"/>
-                  <a:round/>
-                  <a:headEnd type="none" w="med" len="med"/>
-                  <a:tailEnd type="triangle" w="med" len="med"/>
-                </a:ln>
-              </p:spPr>
-            </p:cxnSp>
-            <p:cxnSp>
-              <p:nvCxnSpPr>
-                <p:cNvPr id="159" name="Google Shape;159;p16"/>
-                <p:cNvCxnSpPr>
-                  <a:stCxn id="138" idx="6"/>
-                  <a:endCxn id="144" idx="2"/>
-                </p:cNvCxnSpPr>
-                <p:nvPr/>
-              </p:nvCxnSpPr>
-              <p:spPr>
-                <a:xfrm rot="10800000" flipH="1">
-                  <a:off x="1900125" y="2046750"/>
-                  <a:ext cx="1622100" cy="426000"/>
-                </a:xfrm>
-                <a:prstGeom prst="straightConnector1">
-                  <a:avLst/>
-                </a:prstGeom>
-                <a:noFill/>
-                <a:ln w="19050" cap="flat" cmpd="sng">
-                  <a:solidFill>
-                    <a:schemeClr val="tx1"/>
-                  </a:solidFill>
-                  <a:prstDash val="solid"/>
-                  <a:round/>
-                  <a:headEnd type="none" w="med" len="med"/>
-                  <a:tailEnd type="triangle" w="med" len="med"/>
-                </a:ln>
-              </p:spPr>
-            </p:cxnSp>
-            <p:cxnSp>
-              <p:nvCxnSpPr>
-                <p:cNvPr id="160" name="Google Shape;160;p16"/>
-                <p:cNvCxnSpPr>
-                  <a:stCxn id="138" idx="6"/>
-                  <a:endCxn id="150" idx="2"/>
-                </p:cNvCxnSpPr>
-                <p:nvPr/>
-              </p:nvCxnSpPr>
-              <p:spPr>
-                <a:xfrm>
-                  <a:off x="1900125" y="2472750"/>
-                  <a:ext cx="1622100" cy="1060200"/>
-                </a:xfrm>
-                <a:prstGeom prst="straightConnector1">
-                  <a:avLst/>
-                </a:prstGeom>
-                <a:noFill/>
-                <a:ln w="19050" cap="flat" cmpd="sng">
-                  <a:solidFill>
-                    <a:srgbClr val="CCCCCC"/>
-                  </a:solidFill>
-                  <a:prstDash val="solid"/>
-                  <a:round/>
-                  <a:headEnd type="none" w="med" len="med"/>
-                  <a:tailEnd type="triangle" w="med" len="med"/>
-                </a:ln>
-              </p:spPr>
-            </p:cxnSp>
-            <p:cxnSp>
-              <p:nvCxnSpPr>
-                <p:cNvPr id="161" name="Google Shape;161;p16"/>
-                <p:cNvCxnSpPr>
-                  <a:stCxn id="139" idx="6"/>
-                  <a:endCxn id="141" idx="2"/>
-                </p:cNvCxnSpPr>
-                <p:nvPr/>
-              </p:nvCxnSpPr>
-              <p:spPr>
-                <a:xfrm rot="10800000" flipH="1">
-                  <a:off x="1900125" y="1303650"/>
-                  <a:ext cx="1622100" cy="1887600"/>
-                </a:xfrm>
-                <a:prstGeom prst="straightConnector1">
-                  <a:avLst/>
-                </a:prstGeom>
-                <a:noFill/>
-                <a:ln w="19050" cap="flat" cmpd="sng">
-                  <a:solidFill>
-                    <a:srgbClr val="CCCCCC"/>
-                  </a:solidFill>
-                  <a:prstDash val="solid"/>
-                  <a:round/>
-                  <a:headEnd type="none" w="med" len="med"/>
-                  <a:tailEnd type="triangle" w="med" len="med"/>
-                </a:ln>
-              </p:spPr>
-            </p:cxnSp>
-            <p:cxnSp>
-              <p:nvCxnSpPr>
-                <p:cNvPr id="162" name="Google Shape;162;p16"/>
-                <p:cNvCxnSpPr>
-                  <a:stCxn id="139" idx="6"/>
-                  <a:endCxn id="144" idx="2"/>
-                </p:cNvCxnSpPr>
-                <p:nvPr/>
-              </p:nvCxnSpPr>
-              <p:spPr>
-                <a:xfrm rot="10800000" flipH="1">
-                  <a:off x="1900125" y="2046750"/>
-                  <a:ext cx="1622100" cy="1144500"/>
-                </a:xfrm>
-                <a:prstGeom prst="straightConnector1">
-                  <a:avLst/>
-                </a:prstGeom>
-                <a:noFill/>
-                <a:ln w="19050" cap="flat" cmpd="sng">
-                  <a:solidFill>
-                    <a:schemeClr val="tx1"/>
-                  </a:solidFill>
-                  <a:prstDash val="solid"/>
-                  <a:round/>
-                  <a:headEnd type="none" w="med" len="med"/>
-                  <a:tailEnd type="triangle" w="med" len="med"/>
-                </a:ln>
-              </p:spPr>
-            </p:cxnSp>
-            <p:cxnSp>
-              <p:nvCxnSpPr>
-                <p:cNvPr id="163" name="Google Shape;163;p16"/>
-                <p:cNvCxnSpPr>
-                  <a:stCxn id="139" idx="6"/>
-                  <a:endCxn id="150" idx="2"/>
-                </p:cNvCxnSpPr>
-                <p:nvPr/>
-              </p:nvCxnSpPr>
-              <p:spPr>
-                <a:xfrm>
-                  <a:off x="1900125" y="3191250"/>
-                  <a:ext cx="1622100" cy="341700"/>
-                </a:xfrm>
-                <a:prstGeom prst="straightConnector1">
-                  <a:avLst/>
-                </a:prstGeom>
-                <a:noFill/>
-                <a:ln w="19050" cap="flat" cmpd="sng">
-                  <a:solidFill>
-                    <a:srgbClr val="CCCCCC"/>
-                  </a:solidFill>
-                  <a:prstDash val="solid"/>
-                  <a:round/>
-                  <a:headEnd type="none" w="med" len="med"/>
-                  <a:tailEnd type="triangle" w="med" len="med"/>
-                </a:ln>
-              </p:spPr>
-            </p:cxnSp>
-            <p:cxnSp>
-              <p:nvCxnSpPr>
-                <p:cNvPr id="164" name="Google Shape;164;p16"/>
-                <p:cNvCxnSpPr>
-                  <a:stCxn id="139" idx="6"/>
-                  <a:endCxn id="147" idx="2"/>
-                </p:cNvCxnSpPr>
-                <p:nvPr/>
-              </p:nvCxnSpPr>
-              <p:spPr>
-                <a:xfrm rot="10800000" flipH="1">
-                  <a:off x="1900125" y="2789850"/>
-                  <a:ext cx="1622100" cy="401400"/>
-                </a:xfrm>
-                <a:prstGeom prst="straightConnector1">
-                  <a:avLst/>
-                </a:prstGeom>
-                <a:noFill/>
-                <a:ln w="19050" cap="flat" cmpd="sng">
-                  <a:solidFill>
-                    <a:srgbClr val="CCCCCC"/>
-                  </a:solidFill>
-                  <a:prstDash val="solid"/>
-                  <a:round/>
-                  <a:headEnd type="none" w="med" len="med"/>
-                  <a:tailEnd type="triangle" w="med" len="med"/>
-                </a:ln>
-              </p:spPr>
-            </p:cxnSp>
-            <p:cxnSp>
-              <p:nvCxnSpPr>
-                <p:cNvPr id="165" name="Google Shape;165;p16"/>
-                <p:cNvCxnSpPr>
-                  <a:stCxn id="138" idx="6"/>
-                  <a:endCxn id="147" idx="2"/>
-                </p:cNvCxnSpPr>
-                <p:nvPr/>
-              </p:nvCxnSpPr>
-              <p:spPr>
-                <a:xfrm>
-                  <a:off x="1900125" y="2472750"/>
-                  <a:ext cx="1622100" cy="317100"/>
-                </a:xfrm>
-                <a:prstGeom prst="straightConnector1">
-                  <a:avLst/>
-                </a:prstGeom>
-                <a:noFill/>
-                <a:ln w="19050" cap="flat" cmpd="sng">
-                  <a:solidFill>
-                    <a:srgbClr val="CCCCCC"/>
-                  </a:solidFill>
-                  <a:prstDash val="solid"/>
-                  <a:round/>
-                  <a:headEnd type="none" w="med" len="med"/>
-                  <a:tailEnd type="triangle" w="med" len="med"/>
-                </a:ln>
-              </p:spPr>
-            </p:cxnSp>
-            <p:cxnSp>
-              <p:nvCxnSpPr>
-                <p:cNvPr id="166" name="Google Shape;166;p16"/>
-                <p:cNvCxnSpPr>
-                  <a:stCxn id="137" idx="6"/>
-                  <a:endCxn id="147" idx="2"/>
-                </p:cNvCxnSpPr>
-                <p:nvPr/>
-              </p:nvCxnSpPr>
-              <p:spPr>
-                <a:xfrm>
-                  <a:off x="1900125" y="1754250"/>
-                  <a:ext cx="1622100" cy="1035600"/>
-                </a:xfrm>
-                <a:prstGeom prst="straightConnector1">
-                  <a:avLst/>
-                </a:prstGeom>
-                <a:noFill/>
-                <a:ln w="19050" cap="flat" cmpd="sng">
-                  <a:solidFill>
-                    <a:srgbClr val="CCCCCC"/>
-                  </a:solidFill>
-                  <a:prstDash val="solid"/>
-                  <a:round/>
-                  <a:headEnd type="none" w="med" len="med"/>
-                  <a:tailEnd type="triangle" w="med" len="med"/>
-                </a:ln>
-              </p:spPr>
-            </p:cxnSp>
-            <p:cxnSp>
-              <p:nvCxnSpPr>
-                <p:cNvPr id="167" name="Google Shape;167;p16"/>
-                <p:cNvCxnSpPr>
-                  <a:stCxn id="142" idx="2"/>
-                  <a:endCxn id="153" idx="2"/>
-                </p:cNvCxnSpPr>
-                <p:nvPr/>
-              </p:nvCxnSpPr>
-              <p:spPr>
-                <a:xfrm>
-                  <a:off x="4122675" y="1303596"/>
-                  <a:ext cx="1550700" cy="1169100"/>
-                </a:xfrm>
-                <a:prstGeom prst="straightConnector1">
-                  <a:avLst/>
-                </a:prstGeom>
-                <a:noFill/>
-                <a:ln w="19050" cap="flat" cmpd="sng">
-                  <a:solidFill>
-                    <a:srgbClr val="CCCCCC"/>
-                  </a:solidFill>
-                  <a:prstDash val="solid"/>
-                  <a:round/>
-                  <a:headEnd type="none" w="med" len="med"/>
-                  <a:tailEnd type="triangle" w="med" len="med"/>
-                </a:ln>
-              </p:spPr>
-            </p:cxnSp>
-            <p:cxnSp>
-              <p:nvCxnSpPr>
-                <p:cNvPr id="168" name="Google Shape;168;p16"/>
-                <p:cNvCxnSpPr>
-                  <a:stCxn id="145" idx="2"/>
-                  <a:endCxn id="153" idx="2"/>
-                </p:cNvCxnSpPr>
-                <p:nvPr/>
-              </p:nvCxnSpPr>
-              <p:spPr>
-                <a:xfrm>
-                  <a:off x="4122675" y="2046721"/>
-                  <a:ext cx="1550700" cy="426000"/>
-                </a:xfrm>
-                <a:prstGeom prst="straightConnector1">
-                  <a:avLst/>
-                </a:prstGeom>
-                <a:noFill/>
-                <a:ln w="19050" cap="flat" cmpd="sng">
-                  <a:solidFill>
-                    <a:srgbClr val="CCCCCC"/>
-                  </a:solidFill>
-                  <a:prstDash val="solid"/>
-                  <a:round/>
-                  <a:headEnd type="none" w="med" len="med"/>
-                  <a:tailEnd type="triangle" w="med" len="med"/>
-                </a:ln>
-              </p:spPr>
-            </p:cxnSp>
-            <p:cxnSp>
-              <p:nvCxnSpPr>
-                <p:cNvPr id="169" name="Google Shape;169;p16"/>
-                <p:cNvCxnSpPr>
-                  <a:stCxn id="148" idx="2"/>
-                  <a:endCxn id="153" idx="2"/>
-                </p:cNvCxnSpPr>
-                <p:nvPr/>
-              </p:nvCxnSpPr>
-              <p:spPr>
-                <a:xfrm rot="10800000" flipH="1">
-                  <a:off x="4122675" y="2472746"/>
-                  <a:ext cx="1550700" cy="317100"/>
-                </a:xfrm>
-                <a:prstGeom prst="straightConnector1">
-                  <a:avLst/>
-                </a:prstGeom>
-                <a:noFill/>
-                <a:ln w="19050" cap="flat" cmpd="sng">
-                  <a:solidFill>
-                    <a:srgbClr val="CCCCCC"/>
-                  </a:solidFill>
-                  <a:prstDash val="solid"/>
-                  <a:round/>
-                  <a:headEnd type="none" w="med" len="med"/>
-                  <a:tailEnd type="triangle" w="med" len="med"/>
-                </a:ln>
-              </p:spPr>
-            </p:cxnSp>
-            <p:cxnSp>
-              <p:nvCxnSpPr>
-                <p:cNvPr id="170" name="Google Shape;170;p16"/>
-                <p:cNvCxnSpPr>
-                  <a:stCxn id="151" idx="2"/>
-                  <a:endCxn id="153" idx="2"/>
-                </p:cNvCxnSpPr>
-                <p:nvPr/>
-              </p:nvCxnSpPr>
-              <p:spPr>
-                <a:xfrm rot="10800000" flipH="1">
-                  <a:off x="4122675" y="2472771"/>
-                  <a:ext cx="1550700" cy="1060200"/>
-                </a:xfrm>
-                <a:prstGeom prst="straightConnector1">
-                  <a:avLst/>
-                </a:prstGeom>
-                <a:noFill/>
-                <a:ln w="19050" cap="flat" cmpd="sng">
-                  <a:solidFill>
-                    <a:srgbClr val="CCCCCC"/>
-                  </a:solidFill>
-                  <a:prstDash val="solid"/>
-                  <a:round/>
-                  <a:headEnd type="none" w="med" len="med"/>
-                  <a:tailEnd type="triangle" w="med" len="med"/>
-                </a:ln>
-              </p:spPr>
-            </p:cxnSp>
           </p:grpSp>
           <p:grpSp>
             <p:nvGrpSpPr>
-              <p:cNvPr id="40" name="Group 39">
-                <a:extLst>
-                  <a:ext uri="{FF2B5EF4-FFF2-40B4-BE49-F238E27FC236}">
-                    <a16:creationId xmlns:a16="http://schemas.microsoft.com/office/drawing/2014/main" id="{FA333AF5-4C7D-1649-8B3C-F5FEF8FE0523}"/>
-                  </a:ext>
-                </a:extLst>
-              </p:cNvPr>
+              <p:cNvPr id="146" name="Google Shape;146;p16"/>
               <p:cNvGrpSpPr/>
               <p:nvPr/>
             </p:nvGrpSpPr>
             <p:grpSpPr>
               <a:xfrm>
-                <a:off x="2177414" y="2161326"/>
-                <a:ext cx="347472" cy="1698734"/>
-                <a:chOff x="2177414" y="2161326"/>
-                <a:chExt cx="347472" cy="1698734"/>
+                <a:off x="3522106" y="2489557"/>
+                <a:ext cx="600569" cy="600579"/>
+                <a:chOff x="4861200" y="959925"/>
+                <a:chExt cx="689200" cy="688500"/>
               </a:xfrm>
             </p:grpSpPr>
             <p:sp>
               <p:nvSpPr>
-                <p:cNvPr id="41" name="TextBox 40">
-                  <a:extLst>
-                    <a:ext uri="{FF2B5EF4-FFF2-40B4-BE49-F238E27FC236}">
-                      <a16:creationId xmlns:a16="http://schemas.microsoft.com/office/drawing/2014/main" id="{1265E5C2-0FBA-8F41-9CD7-50526503CB36}"/>
-                    </a:ext>
-                  </a:extLst>
-                </p:cNvPr>
-                <p:cNvSpPr txBox="1"/>
+                <p:cNvPr id="147" name="Google Shape;147;p16"/>
+                <p:cNvSpPr/>
                 <p:nvPr/>
               </p:nvSpPr>
               <p:spPr>
                 <a:xfrm>
-                  <a:off x="2177414" y="2161326"/>
-                  <a:ext cx="347472" cy="253916"/>
+                  <a:off x="4861200" y="959925"/>
+                  <a:ext cx="689100" cy="688500"/>
                 </a:xfrm>
-                <a:prstGeom prst="rect">
-                  <a:avLst/>
+                <a:prstGeom prst="pie">
+                  <a:avLst>
+                    <a:gd name="adj1" fmla="val 5396744"/>
+                    <a:gd name="adj2" fmla="val 16200000"/>
+                  </a:avLst>
                 </a:prstGeom>
-                <a:noFill/>
+                <a:solidFill>
+                  <a:srgbClr val="A2C4C9"/>
+                </a:solidFill>
+                <a:ln>
+                  <a:noFill/>
+                </a:ln>
               </p:spPr>
               <p:txBody>
-                <a:bodyPr wrap="square" rtlCol="0">
-                  <a:spAutoFit/>
+                <a:bodyPr spcFirstLastPara="1" wrap="square" lIns="121900" tIns="121900" rIns="121900" bIns="121900" anchor="ctr" anchorCtr="0">
+                  <a:noAutofit/>
                 </a:bodyPr>
                 <a:lstStyle/>
                 <a:p>
-                  <a:pPr algn="ctr"/>
-                  <a:r>
-                    <a:rPr lang="en-DE" sz="1600" b="1" dirty="0"/>
-                    <a:t>-3</a:t>
-                  </a:r>
+                  <a:endParaRPr sz="2400"/>
                 </a:p>
               </p:txBody>
             </p:sp>
             <p:sp>
               <p:nvSpPr>
-                <p:cNvPr id="42" name="TextBox 41">
-                  <a:extLst>
-                    <a:ext uri="{FF2B5EF4-FFF2-40B4-BE49-F238E27FC236}">
-                      <a16:creationId xmlns:a16="http://schemas.microsoft.com/office/drawing/2014/main" id="{80A341AA-86F7-F841-8B76-FAE8B80A9EEE}"/>
-                    </a:ext>
-                  </a:extLst>
-                </p:cNvPr>
-                <p:cNvSpPr txBox="1"/>
+                <p:cNvPr id="148" name="Google Shape;148;p16"/>
+                <p:cNvSpPr/>
+                <p:nvPr/>
+              </p:nvSpPr>
+              <p:spPr>
+                <a:xfrm rot="10800000">
+                  <a:off x="4861300" y="959925"/>
+                  <a:ext cx="689100" cy="688500"/>
+                </a:xfrm>
+                <a:prstGeom prst="pie">
+                  <a:avLst>
+                    <a:gd name="adj1" fmla="val 5396744"/>
+                    <a:gd name="adj2" fmla="val 16200000"/>
+                  </a:avLst>
+                </a:prstGeom>
+                <a:solidFill>
+                  <a:srgbClr val="45818E"/>
+                </a:solidFill>
+                <a:ln>
+                  <a:noFill/>
+                </a:ln>
+              </p:spPr>
+              <p:txBody>
+                <a:bodyPr spcFirstLastPara="1" wrap="square" lIns="121900" tIns="121900" rIns="121900" bIns="121900" anchor="ctr" anchorCtr="0">
+                  <a:noAutofit/>
+                </a:bodyPr>
+                <a:lstStyle/>
+                <a:p>
+                  <a:endParaRPr sz="2400"/>
+                </a:p>
+              </p:txBody>
+            </p:sp>
+          </p:grpSp>
+          <p:grpSp>
+            <p:nvGrpSpPr>
+              <p:cNvPr id="149" name="Google Shape;149;p16"/>
+              <p:cNvGrpSpPr/>
+              <p:nvPr/>
+            </p:nvGrpSpPr>
+            <p:grpSpPr>
+              <a:xfrm>
+                <a:off x="3522106" y="3232682"/>
+                <a:ext cx="600569" cy="600579"/>
+                <a:chOff x="4861200" y="959925"/>
+                <a:chExt cx="689200" cy="688500"/>
+              </a:xfrm>
+            </p:grpSpPr>
+            <p:sp>
+              <p:nvSpPr>
+                <p:cNvPr id="150" name="Google Shape;150;p16"/>
+                <p:cNvSpPr/>
                 <p:nvPr/>
               </p:nvSpPr>
               <p:spPr>
                 <a:xfrm>
-                  <a:off x="2177414" y="2900405"/>
-                  <a:ext cx="347472" cy="253916"/>
+                  <a:off x="4861200" y="959925"/>
+                  <a:ext cx="689100" cy="688500"/>
                 </a:xfrm>
-                <a:prstGeom prst="rect">
-                  <a:avLst/>
+                <a:prstGeom prst="pie">
+                  <a:avLst>
+                    <a:gd name="adj1" fmla="val 5396744"/>
+                    <a:gd name="adj2" fmla="val 16200000"/>
+                  </a:avLst>
                 </a:prstGeom>
-                <a:noFill/>
+                <a:solidFill>
+                  <a:srgbClr val="A2C4C9"/>
+                </a:solidFill>
+                <a:ln>
+                  <a:noFill/>
+                </a:ln>
               </p:spPr>
               <p:txBody>
-                <a:bodyPr wrap="square" rtlCol="0">
-                  <a:spAutoFit/>
+                <a:bodyPr spcFirstLastPara="1" wrap="square" lIns="121900" tIns="121900" rIns="121900" bIns="121900" anchor="ctr" anchorCtr="0">
+                  <a:noAutofit/>
                 </a:bodyPr>
                 <a:lstStyle/>
                 <a:p>
-                  <a:pPr algn="ctr"/>
-                  <a:r>
-                    <a:rPr lang="en-DE" sz="1600" b="1" dirty="0"/>
-                    <a:t>1</a:t>
-                  </a:r>
+                  <a:endParaRPr sz="2400"/>
                 </a:p>
               </p:txBody>
             </p:sp>
             <p:sp>
               <p:nvSpPr>
-                <p:cNvPr id="43" name="TextBox 42">
-                  <a:extLst>
-                    <a:ext uri="{FF2B5EF4-FFF2-40B4-BE49-F238E27FC236}">
-                      <a16:creationId xmlns:a16="http://schemas.microsoft.com/office/drawing/2014/main" id="{C6F63568-1297-EA4A-BC69-9F3F269688F3}"/>
-                    </a:ext>
-                  </a:extLst>
-                </p:cNvPr>
-                <p:cNvSpPr txBox="1"/>
+                <p:cNvPr id="151" name="Google Shape;151;p16"/>
+                <p:cNvSpPr/>
+                <p:nvPr/>
+              </p:nvSpPr>
+              <p:spPr>
+                <a:xfrm rot="10800000">
+                  <a:off x="4861300" y="959925"/>
+                  <a:ext cx="689100" cy="688500"/>
+                </a:xfrm>
+                <a:prstGeom prst="pie">
+                  <a:avLst>
+                    <a:gd name="adj1" fmla="val 5396744"/>
+                    <a:gd name="adj2" fmla="val 16200000"/>
+                  </a:avLst>
+                </a:prstGeom>
+                <a:solidFill>
+                  <a:srgbClr val="45818E"/>
+                </a:solidFill>
+                <a:ln>
+                  <a:noFill/>
+                </a:ln>
+              </p:spPr>
+              <p:txBody>
+                <a:bodyPr spcFirstLastPara="1" wrap="square" lIns="121900" tIns="121900" rIns="121900" bIns="121900" anchor="ctr" anchorCtr="0">
+                  <a:noAutofit/>
+                </a:bodyPr>
+                <a:lstStyle/>
+                <a:p>
+                  <a:endParaRPr sz="2400"/>
+                </a:p>
+              </p:txBody>
+            </p:sp>
+          </p:grpSp>
+          <p:grpSp>
+            <p:nvGrpSpPr>
+              <p:cNvPr id="152" name="Google Shape;152;p16"/>
+              <p:cNvGrpSpPr/>
+              <p:nvPr/>
+            </p:nvGrpSpPr>
+            <p:grpSpPr>
+              <a:xfrm>
+                <a:off x="5673456" y="2172469"/>
+                <a:ext cx="600569" cy="600579"/>
+                <a:chOff x="4861200" y="959925"/>
+                <a:chExt cx="689200" cy="688500"/>
+              </a:xfrm>
+            </p:grpSpPr>
+            <p:sp>
+              <p:nvSpPr>
+                <p:cNvPr id="153" name="Google Shape;153;p16"/>
+                <p:cNvSpPr/>
                 <p:nvPr/>
               </p:nvSpPr>
               <p:spPr>
                 <a:xfrm>
-                  <a:off x="2177414" y="3606144"/>
-                  <a:ext cx="347472" cy="253916"/>
+                  <a:off x="4861200" y="959925"/>
+                  <a:ext cx="689100" cy="688500"/>
                 </a:xfrm>
-                <a:prstGeom prst="rect">
-                  <a:avLst/>
+                <a:prstGeom prst="pie">
+                  <a:avLst>
+                    <a:gd name="adj1" fmla="val 5396744"/>
+                    <a:gd name="adj2" fmla="val 16200000"/>
+                  </a:avLst>
                 </a:prstGeom>
-                <a:noFill/>
+                <a:solidFill>
+                  <a:srgbClr val="B6D7A8"/>
+                </a:solidFill>
+                <a:ln>
+                  <a:noFill/>
+                </a:ln>
               </p:spPr>
               <p:txBody>
-                <a:bodyPr wrap="square" rtlCol="0">
-                  <a:spAutoFit/>
+                <a:bodyPr spcFirstLastPara="1" wrap="square" lIns="121900" tIns="121900" rIns="121900" bIns="121900" anchor="ctr" anchorCtr="0">
+                  <a:noAutofit/>
                 </a:bodyPr>
                 <a:lstStyle/>
                 <a:p>
-                  <a:pPr algn="ctr"/>
-                  <a:r>
-                    <a:rPr lang="en-DE" sz="1600" b="1" dirty="0"/>
-                    <a:t>5</a:t>
-                  </a:r>
+                  <a:endParaRPr sz="2400"/>
+                </a:p>
+              </p:txBody>
+            </p:sp>
+            <p:sp>
+              <p:nvSpPr>
+                <p:cNvPr id="154" name="Google Shape;154;p16"/>
+                <p:cNvSpPr/>
+                <p:nvPr/>
+              </p:nvSpPr>
+              <p:spPr>
+                <a:xfrm rot="10800000">
+                  <a:off x="4861300" y="959925"/>
+                  <a:ext cx="689100" cy="688500"/>
+                </a:xfrm>
+                <a:prstGeom prst="pie">
+                  <a:avLst>
+                    <a:gd name="adj1" fmla="val 5396744"/>
+                    <a:gd name="adj2" fmla="val 16200000"/>
+                  </a:avLst>
+                </a:prstGeom>
+                <a:solidFill>
+                  <a:srgbClr val="6AA84F"/>
+                </a:solidFill>
+                <a:ln>
+                  <a:noFill/>
+                </a:ln>
+              </p:spPr>
+              <p:txBody>
+                <a:bodyPr spcFirstLastPara="1" wrap="square" lIns="121900" tIns="121900" rIns="121900" bIns="121900" anchor="ctr" anchorCtr="0">
+                  <a:noAutofit/>
+                </a:bodyPr>
+                <a:lstStyle/>
+                <a:p>
+                  <a:endParaRPr sz="2400"/>
                 </a:p>
               </p:txBody>
             </p:sp>
           </p:grpSp>
+          <p:cxnSp>
+            <p:nvCxnSpPr>
+              <p:cNvPr id="155" name="Google Shape;155;p16"/>
+              <p:cNvCxnSpPr>
+                <a:stCxn id="137" idx="6"/>
+                <a:endCxn id="141" idx="2"/>
+              </p:cNvCxnSpPr>
+              <p:nvPr/>
+            </p:nvCxnSpPr>
+            <p:spPr>
+              <a:xfrm rot="10800000" flipH="1">
+                <a:off x="1900125" y="1303650"/>
+                <a:ext cx="1622100" cy="450600"/>
+              </a:xfrm>
+              <a:prstGeom prst="straightConnector1">
+                <a:avLst/>
+              </a:prstGeom>
+              <a:noFill/>
+              <a:ln w="19050" cap="flat" cmpd="sng">
+                <a:solidFill>
+                  <a:srgbClr val="CCCCCC"/>
+                </a:solidFill>
+                <a:prstDash val="solid"/>
+                <a:round/>
+                <a:headEnd type="none" w="med" len="med"/>
+                <a:tailEnd type="triangle" w="med" len="med"/>
+              </a:ln>
+            </p:spPr>
+          </p:cxnSp>
+          <p:cxnSp>
+            <p:nvCxnSpPr>
+              <p:cNvPr id="156" name="Google Shape;156;p16"/>
+              <p:cNvCxnSpPr>
+                <a:stCxn id="137" idx="6"/>
+                <a:endCxn id="144" idx="2"/>
+              </p:cNvCxnSpPr>
+              <p:nvPr/>
+            </p:nvCxnSpPr>
+            <p:spPr>
+              <a:xfrm>
+                <a:off x="1900125" y="1754250"/>
+                <a:ext cx="1622100" cy="292500"/>
+              </a:xfrm>
+              <a:prstGeom prst="straightConnector1">
+                <a:avLst/>
+              </a:prstGeom>
+              <a:noFill/>
+              <a:ln w="19050" cap="flat" cmpd="sng">
+                <a:solidFill>
+                  <a:schemeClr val="tx1"/>
+                </a:solidFill>
+                <a:prstDash val="solid"/>
+                <a:round/>
+                <a:headEnd type="none" w="med" len="med"/>
+                <a:tailEnd type="triangle" w="med" len="med"/>
+              </a:ln>
+            </p:spPr>
+          </p:cxnSp>
+          <p:cxnSp>
+            <p:nvCxnSpPr>
+              <p:cNvPr id="157" name="Google Shape;157;p16"/>
+              <p:cNvCxnSpPr>
+                <a:stCxn id="138" idx="6"/>
+                <a:endCxn id="141" idx="2"/>
+              </p:cNvCxnSpPr>
+              <p:nvPr/>
+            </p:nvCxnSpPr>
+            <p:spPr>
+              <a:xfrm rot="10800000" flipH="1">
+                <a:off x="1900125" y="1303650"/>
+                <a:ext cx="1622100" cy="1169100"/>
+              </a:xfrm>
+              <a:prstGeom prst="straightConnector1">
+                <a:avLst/>
+              </a:prstGeom>
+              <a:noFill/>
+              <a:ln w="19050" cap="flat" cmpd="sng">
+                <a:solidFill>
+                  <a:srgbClr val="CCCCCC"/>
+                </a:solidFill>
+                <a:prstDash val="solid"/>
+                <a:round/>
+                <a:headEnd type="none" w="med" len="med"/>
+                <a:tailEnd type="triangle" w="med" len="med"/>
+              </a:ln>
+            </p:spPr>
+          </p:cxnSp>
+          <p:cxnSp>
+            <p:nvCxnSpPr>
+              <p:cNvPr id="158" name="Google Shape;158;p16"/>
+              <p:cNvCxnSpPr>
+                <a:stCxn id="137" idx="6"/>
+                <a:endCxn id="150" idx="2"/>
+              </p:cNvCxnSpPr>
+              <p:nvPr/>
+            </p:nvCxnSpPr>
+            <p:spPr>
+              <a:xfrm>
+                <a:off x="1900125" y="1754250"/>
+                <a:ext cx="1622100" cy="1778700"/>
+              </a:xfrm>
+              <a:prstGeom prst="straightConnector1">
+                <a:avLst/>
+              </a:prstGeom>
+              <a:noFill/>
+              <a:ln w="19050" cap="flat" cmpd="sng">
+                <a:solidFill>
+                  <a:srgbClr val="CCCCCC"/>
+                </a:solidFill>
+                <a:prstDash val="solid"/>
+                <a:round/>
+                <a:headEnd type="none" w="med" len="med"/>
+                <a:tailEnd type="triangle" w="med" len="med"/>
+              </a:ln>
+            </p:spPr>
+          </p:cxnSp>
+          <p:cxnSp>
+            <p:nvCxnSpPr>
+              <p:cNvPr id="159" name="Google Shape;159;p16"/>
+              <p:cNvCxnSpPr>
+                <a:stCxn id="138" idx="6"/>
+                <a:endCxn id="144" idx="2"/>
+              </p:cNvCxnSpPr>
+              <p:nvPr/>
+            </p:nvCxnSpPr>
+            <p:spPr>
+              <a:xfrm rot="10800000" flipH="1">
+                <a:off x="1900125" y="2046750"/>
+                <a:ext cx="1622100" cy="426000"/>
+              </a:xfrm>
+              <a:prstGeom prst="straightConnector1">
+                <a:avLst/>
+              </a:prstGeom>
+              <a:noFill/>
+              <a:ln w="19050" cap="flat" cmpd="sng">
+                <a:solidFill>
+                  <a:schemeClr val="tx1"/>
+                </a:solidFill>
+                <a:prstDash val="solid"/>
+                <a:round/>
+                <a:headEnd type="none" w="med" len="med"/>
+                <a:tailEnd type="triangle" w="med" len="med"/>
+              </a:ln>
+            </p:spPr>
+          </p:cxnSp>
+          <p:cxnSp>
+            <p:nvCxnSpPr>
+              <p:cNvPr id="160" name="Google Shape;160;p16"/>
+              <p:cNvCxnSpPr>
+                <a:stCxn id="138" idx="6"/>
+                <a:endCxn id="150" idx="2"/>
+              </p:cNvCxnSpPr>
+              <p:nvPr/>
+            </p:nvCxnSpPr>
+            <p:spPr>
+              <a:xfrm>
+                <a:off x="1900125" y="2472750"/>
+                <a:ext cx="1622100" cy="1060200"/>
+              </a:xfrm>
+              <a:prstGeom prst="straightConnector1">
+                <a:avLst/>
+              </a:prstGeom>
+              <a:noFill/>
+              <a:ln w="19050" cap="flat" cmpd="sng">
+                <a:solidFill>
+                  <a:srgbClr val="CCCCCC"/>
+                </a:solidFill>
+                <a:prstDash val="solid"/>
+                <a:round/>
+                <a:headEnd type="none" w="med" len="med"/>
+                <a:tailEnd type="triangle" w="med" len="med"/>
+              </a:ln>
+            </p:spPr>
+          </p:cxnSp>
+          <p:cxnSp>
+            <p:nvCxnSpPr>
+              <p:cNvPr id="161" name="Google Shape;161;p16"/>
+              <p:cNvCxnSpPr>
+                <a:stCxn id="139" idx="6"/>
+                <a:endCxn id="141" idx="2"/>
+              </p:cNvCxnSpPr>
+              <p:nvPr/>
+            </p:nvCxnSpPr>
+            <p:spPr>
+              <a:xfrm rot="10800000" flipH="1">
+                <a:off x="1900125" y="1303650"/>
+                <a:ext cx="1622100" cy="1887600"/>
+              </a:xfrm>
+              <a:prstGeom prst="straightConnector1">
+                <a:avLst/>
+              </a:prstGeom>
+              <a:noFill/>
+              <a:ln w="19050" cap="flat" cmpd="sng">
+                <a:solidFill>
+                  <a:srgbClr val="CCCCCC"/>
+                </a:solidFill>
+                <a:prstDash val="solid"/>
+                <a:round/>
+                <a:headEnd type="none" w="med" len="med"/>
+                <a:tailEnd type="triangle" w="med" len="med"/>
+              </a:ln>
+            </p:spPr>
+          </p:cxnSp>
+          <p:cxnSp>
+            <p:nvCxnSpPr>
+              <p:cNvPr id="162" name="Google Shape;162;p16"/>
+              <p:cNvCxnSpPr>
+                <a:stCxn id="139" idx="6"/>
+                <a:endCxn id="144" idx="2"/>
+              </p:cNvCxnSpPr>
+              <p:nvPr/>
+            </p:nvCxnSpPr>
+            <p:spPr>
+              <a:xfrm rot="10800000" flipH="1">
+                <a:off x="1900125" y="2046750"/>
+                <a:ext cx="1622100" cy="1144500"/>
+              </a:xfrm>
+              <a:prstGeom prst="straightConnector1">
+                <a:avLst/>
+              </a:prstGeom>
+              <a:noFill/>
+              <a:ln w="19050" cap="flat" cmpd="sng">
+                <a:solidFill>
+                  <a:schemeClr val="tx1"/>
+                </a:solidFill>
+                <a:prstDash val="solid"/>
+                <a:round/>
+                <a:headEnd type="none" w="med" len="med"/>
+                <a:tailEnd type="triangle" w="med" len="med"/>
+              </a:ln>
+            </p:spPr>
+          </p:cxnSp>
+          <p:cxnSp>
+            <p:nvCxnSpPr>
+              <p:cNvPr id="163" name="Google Shape;163;p16"/>
+              <p:cNvCxnSpPr>
+                <a:stCxn id="139" idx="6"/>
+                <a:endCxn id="150" idx="2"/>
+              </p:cNvCxnSpPr>
+              <p:nvPr/>
+            </p:nvCxnSpPr>
+            <p:spPr>
+              <a:xfrm>
+                <a:off x="1900125" y="3191250"/>
+                <a:ext cx="1622100" cy="341700"/>
+              </a:xfrm>
+              <a:prstGeom prst="straightConnector1">
+                <a:avLst/>
+              </a:prstGeom>
+              <a:noFill/>
+              <a:ln w="19050" cap="flat" cmpd="sng">
+                <a:solidFill>
+                  <a:srgbClr val="CCCCCC"/>
+                </a:solidFill>
+                <a:prstDash val="solid"/>
+                <a:round/>
+                <a:headEnd type="none" w="med" len="med"/>
+                <a:tailEnd type="triangle" w="med" len="med"/>
+              </a:ln>
+            </p:spPr>
+          </p:cxnSp>
+          <p:cxnSp>
+            <p:nvCxnSpPr>
+              <p:cNvPr id="164" name="Google Shape;164;p16"/>
+              <p:cNvCxnSpPr>
+                <a:stCxn id="139" idx="6"/>
+                <a:endCxn id="147" idx="2"/>
+              </p:cNvCxnSpPr>
+              <p:nvPr/>
+            </p:nvCxnSpPr>
+            <p:spPr>
+              <a:xfrm rot="10800000" flipH="1">
+                <a:off x="1900125" y="2789850"/>
+                <a:ext cx="1622100" cy="401400"/>
+              </a:xfrm>
+              <a:prstGeom prst="straightConnector1">
+                <a:avLst/>
+              </a:prstGeom>
+              <a:noFill/>
+              <a:ln w="19050" cap="flat" cmpd="sng">
+                <a:solidFill>
+                  <a:srgbClr val="CCCCCC"/>
+                </a:solidFill>
+                <a:prstDash val="solid"/>
+                <a:round/>
+                <a:headEnd type="none" w="med" len="med"/>
+                <a:tailEnd type="triangle" w="med" len="med"/>
+              </a:ln>
+            </p:spPr>
+          </p:cxnSp>
+          <p:cxnSp>
+            <p:nvCxnSpPr>
+              <p:cNvPr id="165" name="Google Shape;165;p16"/>
+              <p:cNvCxnSpPr>
+                <a:stCxn id="138" idx="6"/>
+                <a:endCxn id="147" idx="2"/>
+              </p:cNvCxnSpPr>
+              <p:nvPr/>
+            </p:nvCxnSpPr>
+            <p:spPr>
+              <a:xfrm>
+                <a:off x="1900125" y="2472750"/>
+                <a:ext cx="1622100" cy="317100"/>
+              </a:xfrm>
+              <a:prstGeom prst="straightConnector1">
+                <a:avLst/>
+              </a:prstGeom>
+              <a:noFill/>
+              <a:ln w="19050" cap="flat" cmpd="sng">
+                <a:solidFill>
+                  <a:srgbClr val="CCCCCC"/>
+                </a:solidFill>
+                <a:prstDash val="solid"/>
+                <a:round/>
+                <a:headEnd type="none" w="med" len="med"/>
+                <a:tailEnd type="triangle" w="med" len="med"/>
+              </a:ln>
+            </p:spPr>
+          </p:cxnSp>
+          <p:cxnSp>
+            <p:nvCxnSpPr>
+              <p:cNvPr id="166" name="Google Shape;166;p16"/>
+              <p:cNvCxnSpPr>
+                <a:stCxn id="137" idx="6"/>
+                <a:endCxn id="147" idx="2"/>
+              </p:cNvCxnSpPr>
+              <p:nvPr/>
+            </p:nvCxnSpPr>
+            <p:spPr>
+              <a:xfrm>
+                <a:off x="1900125" y="1754250"/>
+                <a:ext cx="1622100" cy="1035600"/>
+              </a:xfrm>
+              <a:prstGeom prst="straightConnector1">
+                <a:avLst/>
+              </a:prstGeom>
+              <a:noFill/>
+              <a:ln w="19050" cap="flat" cmpd="sng">
+                <a:solidFill>
+                  <a:srgbClr val="CCCCCC"/>
+                </a:solidFill>
+                <a:prstDash val="solid"/>
+                <a:round/>
+                <a:headEnd type="none" w="med" len="med"/>
+                <a:tailEnd type="triangle" w="med" len="med"/>
+              </a:ln>
+            </p:spPr>
+          </p:cxnSp>
+          <p:cxnSp>
+            <p:nvCxnSpPr>
+              <p:cNvPr id="167" name="Google Shape;167;p16"/>
+              <p:cNvCxnSpPr>
+                <a:stCxn id="142" idx="2"/>
+                <a:endCxn id="153" idx="2"/>
+              </p:cNvCxnSpPr>
+              <p:nvPr/>
+            </p:nvCxnSpPr>
+            <p:spPr>
+              <a:xfrm>
+                <a:off x="4122675" y="1303596"/>
+                <a:ext cx="1550700" cy="1169100"/>
+              </a:xfrm>
+              <a:prstGeom prst="straightConnector1">
+                <a:avLst/>
+              </a:prstGeom>
+              <a:noFill/>
+              <a:ln w="19050" cap="flat" cmpd="sng">
+                <a:solidFill>
+                  <a:srgbClr val="CCCCCC"/>
+                </a:solidFill>
+                <a:prstDash val="solid"/>
+                <a:round/>
+                <a:headEnd type="none" w="med" len="med"/>
+                <a:tailEnd type="triangle" w="med" len="med"/>
+              </a:ln>
+            </p:spPr>
+          </p:cxnSp>
+          <p:cxnSp>
+            <p:nvCxnSpPr>
+              <p:cNvPr id="168" name="Google Shape;168;p16"/>
+              <p:cNvCxnSpPr>
+                <a:stCxn id="145" idx="2"/>
+                <a:endCxn id="153" idx="2"/>
+              </p:cNvCxnSpPr>
+              <p:nvPr/>
+            </p:nvCxnSpPr>
+            <p:spPr>
+              <a:xfrm>
+                <a:off x="4122675" y="2046721"/>
+                <a:ext cx="1550700" cy="426000"/>
+              </a:xfrm>
+              <a:prstGeom prst="straightConnector1">
+                <a:avLst/>
+              </a:prstGeom>
+              <a:noFill/>
+              <a:ln w="19050" cap="flat" cmpd="sng">
+                <a:solidFill>
+                  <a:srgbClr val="CCCCCC"/>
+                </a:solidFill>
+                <a:prstDash val="solid"/>
+                <a:round/>
+                <a:headEnd type="none" w="med" len="med"/>
+                <a:tailEnd type="triangle" w="med" len="med"/>
+              </a:ln>
+            </p:spPr>
+          </p:cxnSp>
+          <p:cxnSp>
+            <p:nvCxnSpPr>
+              <p:cNvPr id="169" name="Google Shape;169;p16"/>
+              <p:cNvCxnSpPr>
+                <a:stCxn id="148" idx="2"/>
+                <a:endCxn id="153" idx="2"/>
+              </p:cNvCxnSpPr>
+              <p:nvPr/>
+            </p:nvCxnSpPr>
+            <p:spPr>
+              <a:xfrm rot="10800000" flipH="1">
+                <a:off x="4122675" y="2472746"/>
+                <a:ext cx="1550700" cy="317100"/>
+              </a:xfrm>
+              <a:prstGeom prst="straightConnector1">
+                <a:avLst/>
+              </a:prstGeom>
+              <a:noFill/>
+              <a:ln w="19050" cap="flat" cmpd="sng">
+                <a:solidFill>
+                  <a:srgbClr val="CCCCCC"/>
+                </a:solidFill>
+                <a:prstDash val="solid"/>
+                <a:round/>
+                <a:headEnd type="none" w="med" len="med"/>
+                <a:tailEnd type="triangle" w="med" len="med"/>
+              </a:ln>
+            </p:spPr>
+          </p:cxnSp>
+          <p:cxnSp>
+            <p:nvCxnSpPr>
+              <p:cNvPr id="170" name="Google Shape;170;p16"/>
+              <p:cNvCxnSpPr>
+                <a:stCxn id="151" idx="2"/>
+                <a:endCxn id="153" idx="2"/>
+              </p:cNvCxnSpPr>
+              <p:nvPr/>
+            </p:nvCxnSpPr>
+            <p:spPr>
+              <a:xfrm rot="10800000" flipH="1">
+                <a:off x="4122675" y="2472771"/>
+                <a:ext cx="1550700" cy="1060200"/>
+              </a:xfrm>
+              <a:prstGeom prst="straightConnector1">
+                <a:avLst/>
+              </a:prstGeom>
+              <a:noFill/>
+              <a:ln w="19050" cap="flat" cmpd="sng">
+                <a:solidFill>
+                  <a:srgbClr val="CCCCCC"/>
+                </a:solidFill>
+                <a:prstDash val="solid"/>
+                <a:round/>
+                <a:headEnd type="none" w="med" len="med"/>
+                <a:tailEnd type="triangle" w="med" len="med"/>
+              </a:ln>
+            </p:spPr>
+          </p:cxnSp>
+        </p:grpSp>
+        <p:grpSp>
+          <p:nvGrpSpPr>
+            <p:cNvPr id="40" name="Group 39">
+              <a:extLst>
+                <a:ext uri="{FF2B5EF4-FFF2-40B4-BE49-F238E27FC236}">
+                  <a16:creationId xmlns:a16="http://schemas.microsoft.com/office/drawing/2014/main" id="{FA333AF5-4C7D-1649-8B3C-F5FEF8FE0523}"/>
+                </a:ext>
+              </a:extLst>
+            </p:cNvPr>
+            <p:cNvGrpSpPr/>
+            <p:nvPr/>
+          </p:nvGrpSpPr>
+          <p:grpSpPr>
+            <a:xfrm>
+              <a:off x="2177414" y="2161326"/>
+              <a:ext cx="347472" cy="1698734"/>
+              <a:chOff x="2177414" y="2161326"/>
+              <a:chExt cx="347472" cy="1698734"/>
+            </a:xfrm>
+          </p:grpSpPr>
           <p:sp>
             <p:nvSpPr>
-              <p:cNvPr id="44" name="TextBox 43">
+              <p:cNvPr id="41" name="TextBox 40">
                 <a:extLst>
                   <a:ext uri="{FF2B5EF4-FFF2-40B4-BE49-F238E27FC236}">
-                    <a16:creationId xmlns:a16="http://schemas.microsoft.com/office/drawing/2014/main" id="{76538DB9-C892-C74C-A6A6-8D052E7D0953}"/>
+                    <a16:creationId xmlns:a16="http://schemas.microsoft.com/office/drawing/2014/main" id="{1265E5C2-0FBA-8F41-9CD7-50526503CB36}"/>
                   </a:ext>
                 </a:extLst>
               </p:cNvPr>
@@ -5340,43 +5216,7 @@
             </p:nvSpPr>
             <p:spPr>
               <a:xfrm>
-                <a:off x="3092906" y="2173027"/>
-                <a:ext cx="426589" cy="253916"/>
-              </a:xfrm>
-              <a:prstGeom prst="rect">
-                <a:avLst/>
-              </a:prstGeom>
-              <a:noFill/>
-            </p:spPr>
-            <p:txBody>
-              <a:bodyPr wrap="square" rtlCol="0">
-                <a:spAutoFit/>
-              </a:bodyPr>
-              <a:lstStyle/>
-              <a:p>
-                <a:pPr algn="ctr"/>
-                <a:r>
-                  <a:rPr lang="en-DE" sz="1600" b="1" dirty="0"/>
-                  <a:t>11</a:t>
-                </a:r>
-              </a:p>
-            </p:txBody>
-          </p:sp>
-          <p:sp>
-            <p:nvSpPr>
-              <p:cNvPr id="45" name="TextBox 44">
-                <a:extLst>
-                  <a:ext uri="{FF2B5EF4-FFF2-40B4-BE49-F238E27FC236}">
-                    <a16:creationId xmlns:a16="http://schemas.microsoft.com/office/drawing/2014/main" id="{AF3290EE-9070-A741-89B4-27937D9490CE}"/>
-                  </a:ext>
-                </a:extLst>
-              </p:cNvPr>
-              <p:cNvSpPr txBox="1"/>
-              <p:nvPr/>
-            </p:nvSpPr>
-            <p:spPr>
-              <a:xfrm>
-                <a:off x="3114925" y="2585626"/>
+                <a:off x="2177414" y="2161326"/>
                 <a:ext cx="347472" cy="253916"/>
               </a:xfrm>
               <a:prstGeom prst="rect">
@@ -5393,17 +5233,17 @@
                 <a:pPr algn="ctr"/>
                 <a:r>
                   <a:rPr lang="en-DE" sz="1600" b="1" dirty="0"/>
-                  <a:t>-2</a:t>
+                  <a:t>-3</a:t>
                 </a:r>
               </a:p>
             </p:txBody>
           </p:sp>
           <p:sp>
             <p:nvSpPr>
-              <p:cNvPr id="46" name="TextBox 45">
+              <p:cNvPr id="42" name="TextBox 41">
                 <a:extLst>
                   <a:ext uri="{FF2B5EF4-FFF2-40B4-BE49-F238E27FC236}">
-                    <a16:creationId xmlns:a16="http://schemas.microsoft.com/office/drawing/2014/main" id="{E36A34FE-05A9-E142-970A-9A00311FE58D}"/>
+                    <a16:creationId xmlns:a16="http://schemas.microsoft.com/office/drawing/2014/main" id="{80A341AA-86F7-F841-8B76-FAE8B80A9EEE}"/>
                   </a:ext>
                 </a:extLst>
               </p:cNvPr>
@@ -5412,7 +5252,7 @@
             </p:nvSpPr>
             <p:spPr>
               <a:xfrm>
-                <a:off x="3114925" y="3012989"/>
+                <a:off x="2177414" y="2900405"/>
                 <a:ext cx="347472" cy="253916"/>
               </a:xfrm>
               <a:prstGeom prst="rect">
@@ -5429,17 +5269,17 @@
                 <a:pPr algn="ctr"/>
                 <a:r>
                   <a:rPr lang="en-DE" sz="1600" b="1" dirty="0"/>
-                  <a:t>7</a:t>
+                  <a:t>1</a:t>
                 </a:r>
               </a:p>
             </p:txBody>
           </p:sp>
           <p:sp>
             <p:nvSpPr>
-              <p:cNvPr id="52" name="TextBox 51">
+              <p:cNvPr id="43" name="TextBox 42">
                 <a:extLst>
                   <a:ext uri="{FF2B5EF4-FFF2-40B4-BE49-F238E27FC236}">
-                    <a16:creationId xmlns:a16="http://schemas.microsoft.com/office/drawing/2014/main" id="{04E5F7C0-0909-9F42-8352-99D81BE11592}"/>
+                    <a16:creationId xmlns:a16="http://schemas.microsoft.com/office/drawing/2014/main" id="{C6F63568-1297-EA4A-BC69-9F3F269688F3}"/>
                   </a:ext>
                 </a:extLst>
               </p:cNvPr>
@@ -5448,7 +5288,7 @@
             </p:nvSpPr>
             <p:spPr>
               <a:xfrm>
-                <a:off x="4273263" y="2447565"/>
+                <a:off x="2177414" y="3606144"/>
                 <a:ext cx="347472" cy="253916"/>
               </a:xfrm>
               <a:prstGeom prst="rect">
@@ -5465,37 +5305,329 @@
                 <a:pPr algn="ctr"/>
                 <a:r>
                   <a:rPr lang="en-DE" sz="1600" b="1" dirty="0"/>
-                  <a:t>2</a:t>
+                  <a:t>5</a:t>
                 </a:r>
               </a:p>
             </p:txBody>
           </p:sp>
-          <p:grpSp>
-            <p:nvGrpSpPr>
-              <p:cNvPr id="56" name="Group 55">
+        </p:grpSp>
+        <p:sp>
+          <p:nvSpPr>
+            <p:cNvPr id="44" name="TextBox 43">
+              <a:extLst>
+                <a:ext uri="{FF2B5EF4-FFF2-40B4-BE49-F238E27FC236}">
+                  <a16:creationId xmlns:a16="http://schemas.microsoft.com/office/drawing/2014/main" id="{76538DB9-C892-C74C-A6A6-8D052E7D0953}"/>
+                </a:ext>
+              </a:extLst>
+            </p:cNvPr>
+            <p:cNvSpPr txBox="1"/>
+            <p:nvPr/>
+          </p:nvSpPr>
+          <p:spPr>
+            <a:xfrm>
+              <a:off x="3092906" y="2173027"/>
+              <a:ext cx="426589" cy="253916"/>
+            </a:xfrm>
+            <a:prstGeom prst="rect">
+              <a:avLst/>
+            </a:prstGeom>
+            <a:noFill/>
+          </p:spPr>
+          <p:txBody>
+            <a:bodyPr wrap="square" rtlCol="0">
+              <a:spAutoFit/>
+            </a:bodyPr>
+            <a:lstStyle/>
+            <a:p>
+              <a:pPr algn="ctr"/>
+              <a:r>
+                <a:rPr lang="en-DE" sz="1600" b="1" dirty="0"/>
+                <a:t>11</a:t>
+              </a:r>
+            </a:p>
+          </p:txBody>
+        </p:sp>
+        <p:sp>
+          <p:nvSpPr>
+            <p:cNvPr id="45" name="TextBox 44">
+              <a:extLst>
+                <a:ext uri="{FF2B5EF4-FFF2-40B4-BE49-F238E27FC236}">
+                  <a16:creationId xmlns:a16="http://schemas.microsoft.com/office/drawing/2014/main" id="{AF3290EE-9070-A741-89B4-27937D9490CE}"/>
+                </a:ext>
+              </a:extLst>
+            </p:cNvPr>
+            <p:cNvSpPr txBox="1"/>
+            <p:nvPr/>
+          </p:nvSpPr>
+          <p:spPr>
+            <a:xfrm>
+              <a:off x="3114925" y="2585626"/>
+              <a:ext cx="347472" cy="253916"/>
+            </a:xfrm>
+            <a:prstGeom prst="rect">
+              <a:avLst/>
+            </a:prstGeom>
+            <a:noFill/>
+          </p:spPr>
+          <p:txBody>
+            <a:bodyPr wrap="square" rtlCol="0">
+              <a:spAutoFit/>
+            </a:bodyPr>
+            <a:lstStyle/>
+            <a:p>
+              <a:pPr algn="ctr"/>
+              <a:r>
+                <a:rPr lang="en-DE" sz="1600" b="1" dirty="0"/>
+                <a:t>-2</a:t>
+              </a:r>
+            </a:p>
+          </p:txBody>
+        </p:sp>
+        <p:sp>
+          <p:nvSpPr>
+            <p:cNvPr id="46" name="TextBox 45">
+              <a:extLst>
+                <a:ext uri="{FF2B5EF4-FFF2-40B4-BE49-F238E27FC236}">
+                  <a16:creationId xmlns:a16="http://schemas.microsoft.com/office/drawing/2014/main" id="{E36A34FE-05A9-E142-970A-9A00311FE58D}"/>
+                </a:ext>
+              </a:extLst>
+            </p:cNvPr>
+            <p:cNvSpPr txBox="1"/>
+            <p:nvPr/>
+          </p:nvSpPr>
+          <p:spPr>
+            <a:xfrm>
+              <a:off x="3114925" y="3012989"/>
+              <a:ext cx="347472" cy="253916"/>
+            </a:xfrm>
+            <a:prstGeom prst="rect">
+              <a:avLst/>
+            </a:prstGeom>
+            <a:noFill/>
+          </p:spPr>
+          <p:txBody>
+            <a:bodyPr wrap="square" rtlCol="0">
+              <a:spAutoFit/>
+            </a:bodyPr>
+            <a:lstStyle/>
+            <a:p>
+              <a:pPr algn="ctr"/>
+              <a:r>
+                <a:rPr lang="en-DE" sz="1600" b="1" dirty="0"/>
+                <a:t>7</a:t>
+              </a:r>
+            </a:p>
+          </p:txBody>
+        </p:sp>
+        <p:sp>
+          <p:nvSpPr>
+            <p:cNvPr id="52" name="TextBox 51">
+              <a:extLst>
+                <a:ext uri="{FF2B5EF4-FFF2-40B4-BE49-F238E27FC236}">
+                  <a16:creationId xmlns:a16="http://schemas.microsoft.com/office/drawing/2014/main" id="{04E5F7C0-0909-9F42-8352-99D81BE11592}"/>
+                </a:ext>
+              </a:extLst>
+            </p:cNvPr>
+            <p:cNvSpPr txBox="1"/>
+            <p:nvPr/>
+          </p:nvSpPr>
+          <p:spPr>
+            <a:xfrm>
+              <a:off x="4273263" y="2447565"/>
+              <a:ext cx="347472" cy="253916"/>
+            </a:xfrm>
+            <a:prstGeom prst="rect">
+              <a:avLst/>
+            </a:prstGeom>
+            <a:noFill/>
+          </p:spPr>
+          <p:txBody>
+            <a:bodyPr wrap="square" rtlCol="0">
+              <a:spAutoFit/>
+            </a:bodyPr>
+            <a:lstStyle/>
+            <a:p>
+              <a:pPr algn="ctr"/>
+              <a:r>
+                <a:rPr lang="en-DE" sz="1600" b="1" dirty="0"/>
+                <a:t>2</a:t>
+              </a:r>
+            </a:p>
+          </p:txBody>
+        </p:sp>
+        <p:grpSp>
+          <p:nvGrpSpPr>
+            <p:cNvPr id="56" name="Group 55">
+              <a:extLst>
+                <a:ext uri="{FF2B5EF4-FFF2-40B4-BE49-F238E27FC236}">
+                  <a16:creationId xmlns:a16="http://schemas.microsoft.com/office/drawing/2014/main" id="{75ABC3FF-EFD7-4A4E-9A1C-91B32673F1B5}"/>
+                </a:ext>
+              </a:extLst>
+            </p:cNvPr>
+            <p:cNvGrpSpPr/>
+            <p:nvPr/>
+          </p:nvGrpSpPr>
+          <p:grpSpPr>
+            <a:xfrm>
+              <a:off x="1920350" y="995560"/>
+              <a:ext cx="5303300" cy="381700"/>
+              <a:chOff x="1920350" y="756844"/>
+              <a:chExt cx="5303300" cy="381700"/>
+            </a:xfrm>
+          </p:grpSpPr>
+          <p:sp>
+            <p:nvSpPr>
+              <p:cNvPr id="57" name="Google Shape;171;p16">
                 <a:extLst>
                   <a:ext uri="{FF2B5EF4-FFF2-40B4-BE49-F238E27FC236}">
-                    <a16:creationId xmlns:a16="http://schemas.microsoft.com/office/drawing/2014/main" id="{75ABC3FF-EFD7-4A4E-9A1C-91B32673F1B5}"/>
+                    <a16:creationId xmlns:a16="http://schemas.microsoft.com/office/drawing/2014/main" id="{6AB7F538-CD78-8543-8DC0-91DBE55C58C2}"/>
                   </a:ext>
                 </a:extLst>
               </p:cNvPr>
-              <p:cNvGrpSpPr/>
+              <p:cNvSpPr txBox="1"/>
               <p:nvPr/>
-            </p:nvGrpSpPr>
-            <p:grpSpPr>
+            </p:nvSpPr>
+            <p:spPr>
               <a:xfrm>
-                <a:off x="1920350" y="995560"/>
-                <a:ext cx="5303300" cy="381700"/>
-                <a:chOff x="1920350" y="756844"/>
-                <a:chExt cx="5303300" cy="381700"/>
+                <a:off x="1920350" y="781544"/>
+                <a:ext cx="861600" cy="357000"/>
               </a:xfrm>
-            </p:grpSpPr>
+              <a:prstGeom prst="rect">
+                <a:avLst/>
+              </a:prstGeom>
+              <a:noFill/>
+              <a:ln>
+                <a:noFill/>
+              </a:ln>
+            </p:spPr>
+            <p:txBody>
+              <a:bodyPr spcFirstLastPara="1" wrap="square" lIns="121900" tIns="121900" rIns="121900" bIns="121900" anchor="t" anchorCtr="0">
+                <a:noAutofit/>
+              </a:bodyPr>
+              <a:lstStyle/>
+              <a:p>
+                <a:pPr algn="ctr"/>
+                <a:r>
+                  <a:rPr lang="en" sz="2267" b="1" dirty="0">
+                    <a:solidFill>
+                      <a:srgbClr val="ECCC24"/>
+                    </a:solidFill>
+                  </a:rPr>
+                  <a:t>Input</a:t>
+                </a:r>
+                <a:endParaRPr sz="2267" b="1" dirty="0">
+                  <a:solidFill>
+                    <a:srgbClr val="ECCC24"/>
+                  </a:solidFill>
+                </a:endParaRPr>
+              </a:p>
+            </p:txBody>
+          </p:sp>
+          <p:sp>
+            <p:nvSpPr>
+              <p:cNvPr id="58" name="Google Shape;172;p16">
+                <a:extLst>
+                  <a:ext uri="{FF2B5EF4-FFF2-40B4-BE49-F238E27FC236}">
+                    <a16:creationId xmlns:a16="http://schemas.microsoft.com/office/drawing/2014/main" id="{A062A4F4-A74F-264D-BB7A-61E2DB1C2F7D}"/>
+                  </a:ext>
+                </a:extLst>
+              </p:cNvPr>
+              <p:cNvSpPr txBox="1"/>
+              <p:nvPr/>
+            </p:nvSpPr>
+            <p:spPr>
+              <a:xfrm>
+                <a:off x="4075113" y="756844"/>
+                <a:ext cx="997200" cy="357000"/>
+              </a:xfrm>
+              <a:prstGeom prst="rect">
+                <a:avLst/>
+              </a:prstGeom>
+              <a:noFill/>
+              <a:ln>
+                <a:noFill/>
+              </a:ln>
+            </p:spPr>
+            <p:txBody>
+              <a:bodyPr spcFirstLastPara="1" wrap="square" lIns="121900" tIns="121900" rIns="121900" bIns="121900" anchor="t" anchorCtr="0">
+                <a:noAutofit/>
+              </a:bodyPr>
+              <a:lstStyle/>
+              <a:p>
+                <a:pPr algn="ctr"/>
+                <a:r>
+                  <a:rPr lang="en" sz="2267" b="1" dirty="0">
+                    <a:solidFill>
+                      <a:srgbClr val="45818E"/>
+                    </a:solidFill>
+                  </a:rPr>
+                  <a:t>Hidden</a:t>
+                </a:r>
+                <a:endParaRPr sz="2267" b="1" dirty="0">
+                  <a:solidFill>
+                    <a:srgbClr val="45818E"/>
+                  </a:solidFill>
+                </a:endParaRPr>
+              </a:p>
+            </p:txBody>
+          </p:sp>
+          <p:sp>
+            <p:nvSpPr>
+              <p:cNvPr id="59" name="Google Shape;173;p16">
+                <a:extLst>
+                  <a:ext uri="{FF2B5EF4-FFF2-40B4-BE49-F238E27FC236}">
+                    <a16:creationId xmlns:a16="http://schemas.microsoft.com/office/drawing/2014/main" id="{B507DD85-E55C-3C49-B724-556661C6485E}"/>
+                  </a:ext>
+                </a:extLst>
+              </p:cNvPr>
+              <p:cNvSpPr txBox="1"/>
+              <p:nvPr/>
+            </p:nvSpPr>
+            <p:spPr>
+              <a:xfrm>
+                <a:off x="6226450" y="781544"/>
+                <a:ext cx="997200" cy="357000"/>
+              </a:xfrm>
+              <a:prstGeom prst="rect">
+                <a:avLst/>
+              </a:prstGeom>
+              <a:noFill/>
+              <a:ln>
+                <a:noFill/>
+              </a:ln>
+            </p:spPr>
+            <p:txBody>
+              <a:bodyPr spcFirstLastPara="1" wrap="square" lIns="121900" tIns="121900" rIns="121900" bIns="121900" anchor="t" anchorCtr="0">
+                <a:noAutofit/>
+              </a:bodyPr>
+              <a:lstStyle/>
+              <a:p>
+                <a:pPr algn="ctr"/>
+                <a:r>
+                  <a:rPr lang="en" sz="2267" b="1">
+                    <a:solidFill>
+                      <a:srgbClr val="6AA84F"/>
+                    </a:solidFill>
+                  </a:rPr>
+                  <a:t>Output</a:t>
+                </a:r>
+                <a:endParaRPr sz="2267" b="1">
+                  <a:solidFill>
+                    <a:srgbClr val="6AA84F"/>
+                  </a:solidFill>
+                </a:endParaRPr>
+              </a:p>
+            </p:txBody>
+          </p:sp>
+        </p:grpSp>
+        <mc:AlternateContent xmlns:mc="http://schemas.openxmlformats.org/markup-compatibility/2006" xmlns:a14="http://schemas.microsoft.com/office/drawing/2010/main">
+          <mc:Choice Requires="a14">
             <p:sp>
               <p:nvSpPr>
-                <p:cNvPr id="57" name="Google Shape;171;p16">
+                <p:cNvPr id="60" name="TextBox 59">
                   <a:extLst>
                     <a:ext uri="{FF2B5EF4-FFF2-40B4-BE49-F238E27FC236}">
-                      <a16:creationId xmlns:a16="http://schemas.microsoft.com/office/drawing/2014/main" id="{6AB7F538-CD78-8543-8DC0-91DBE55C58C2}"/>
+                      <a16:creationId xmlns:a16="http://schemas.microsoft.com/office/drawing/2014/main" id="{4BF521AD-0500-474F-B9BB-9142D8DA3B9B}"/>
                     </a:ext>
                   </a:extLst>
                 </p:cNvPr>
@@ -5504,1034 +5636,117 @@
               </p:nvSpPr>
               <p:spPr>
                 <a:xfrm>
-                  <a:off x="1920350" y="781544"/>
-                  <a:ext cx="861600" cy="357000"/>
+                  <a:off x="4271759" y="2095948"/>
+                  <a:ext cx="600482" cy="223091"/>
                 </a:xfrm>
                 <a:prstGeom prst="rect">
                   <a:avLst/>
                 </a:prstGeom>
                 <a:noFill/>
-                <a:ln>
-                  <a:noFill/>
-                </a:ln>
               </p:spPr>
               <p:txBody>
-                <a:bodyPr spcFirstLastPara="1" wrap="square" lIns="121900" tIns="121900" rIns="121900" bIns="121900" anchor="t" anchorCtr="0">
-                  <a:noAutofit/>
+                <a:bodyPr wrap="square" rtlCol="0">
+                  <a:spAutoFit/>
                 </a:bodyPr>
                 <a:lstStyle/>
                 <a:p>
                   <a:pPr algn="ctr"/>
-                  <a:r>
-                    <a:rPr lang="en" sz="2267" b="1" dirty="0">
-                      <a:solidFill>
-                        <a:srgbClr val="ECCC24"/>
-                      </a:solidFill>
-                    </a:rPr>
-                    <a:t>Input</a:t>
-                  </a:r>
-                  <a:endParaRPr sz="2267" b="1" dirty="0">
-                    <a:solidFill>
-                      <a:srgbClr val="ECCC24"/>
-                    </a:solidFill>
-                  </a:endParaRPr>
-                </a:p>
-              </p:txBody>
-            </p:sp>
-            <p:sp>
-              <p:nvSpPr>
-                <p:cNvPr id="58" name="Google Shape;172;p16">
-                  <a:extLst>
-                    <a:ext uri="{FF2B5EF4-FFF2-40B4-BE49-F238E27FC236}">
-                      <a16:creationId xmlns:a16="http://schemas.microsoft.com/office/drawing/2014/main" id="{A062A4F4-A74F-264D-BB7A-61E2DB1C2F7D}"/>
-                    </a:ext>
-                  </a:extLst>
-                </p:cNvPr>
-                <p:cNvSpPr txBox="1"/>
-                <p:nvPr/>
-              </p:nvSpPr>
-              <p:spPr>
-                <a:xfrm>
-                  <a:off x="4075113" y="756844"/>
-                  <a:ext cx="997200" cy="357000"/>
-                </a:xfrm>
-                <a:prstGeom prst="rect">
-                  <a:avLst/>
-                </a:prstGeom>
-                <a:noFill/>
-                <a:ln>
-                  <a:noFill/>
-                </a:ln>
-              </p:spPr>
-              <p:txBody>
-                <a:bodyPr spcFirstLastPara="1" wrap="square" lIns="121900" tIns="121900" rIns="121900" bIns="121900" anchor="t" anchorCtr="0">
-                  <a:noAutofit/>
-                </a:bodyPr>
-                <a:lstStyle/>
-                <a:p>
-                  <a:pPr algn="ctr"/>
-                  <a:r>
-                    <a:rPr lang="en" sz="2267" b="1" dirty="0">
-                      <a:solidFill>
-                        <a:srgbClr val="45818E"/>
-                      </a:solidFill>
-                    </a:rPr>
-                    <a:t>Hidden</a:t>
-                  </a:r>
-                  <a:endParaRPr sz="2267" b="1" dirty="0">
-                    <a:solidFill>
-                      <a:srgbClr val="45818E"/>
-                    </a:solidFill>
-                  </a:endParaRPr>
-                </a:p>
-              </p:txBody>
-            </p:sp>
-            <p:sp>
-              <p:nvSpPr>
-                <p:cNvPr id="59" name="Google Shape;173;p16">
-                  <a:extLst>
-                    <a:ext uri="{FF2B5EF4-FFF2-40B4-BE49-F238E27FC236}">
-                      <a16:creationId xmlns:a16="http://schemas.microsoft.com/office/drawing/2014/main" id="{B507DD85-E55C-3C49-B724-556661C6485E}"/>
-                    </a:ext>
-                  </a:extLst>
-                </p:cNvPr>
-                <p:cNvSpPr txBox="1"/>
-                <p:nvPr/>
-              </p:nvSpPr>
-              <p:spPr>
-                <a:xfrm>
-                  <a:off x="6226450" y="781544"/>
-                  <a:ext cx="997200" cy="357000"/>
-                </a:xfrm>
-                <a:prstGeom prst="rect">
-                  <a:avLst/>
-                </a:prstGeom>
-                <a:noFill/>
-                <a:ln>
-                  <a:noFill/>
-                </a:ln>
-              </p:spPr>
-              <p:txBody>
-                <a:bodyPr spcFirstLastPara="1" wrap="square" lIns="121900" tIns="121900" rIns="121900" bIns="121900" anchor="t" anchorCtr="0">
-                  <a:noAutofit/>
-                </a:bodyPr>
-                <a:lstStyle/>
-                <a:p>
-                  <a:pPr algn="ctr"/>
-                  <a:r>
-                    <a:rPr lang="en" sz="2267" b="1">
-                      <a:solidFill>
-                        <a:srgbClr val="6AA84F"/>
-                      </a:solidFill>
-                    </a:rPr>
-                    <a:t>Output</a:t>
-                  </a:r>
-                  <a:endParaRPr sz="2267" b="1">
-                    <a:solidFill>
-                      <a:srgbClr val="6AA84F"/>
-                    </a:solidFill>
-                  </a:endParaRPr>
-                </a:p>
-              </p:txBody>
-            </p:sp>
-          </p:grpSp>
-          <mc:AlternateContent xmlns:mc="http://schemas.openxmlformats.org/markup-compatibility/2006">
-            <mc:Choice xmlns:a14="http://schemas.microsoft.com/office/drawing/2010/main" Requires="a14">
-              <p:sp>
-                <p:nvSpPr>
-                  <p:cNvPr id="60" name="TextBox 59">
-                    <a:extLst>
-                      <a:ext uri="{FF2B5EF4-FFF2-40B4-BE49-F238E27FC236}">
-                        <a16:creationId xmlns:a16="http://schemas.microsoft.com/office/drawing/2014/main" id="{4BF521AD-0500-474F-B9BB-9142D8DA3B9B}"/>
-                      </a:ext>
-                    </a:extLst>
-                  </p:cNvPr>
-                  <p:cNvSpPr txBox="1"/>
-                  <p:nvPr/>
-                </p:nvSpPr>
-                <p:spPr>
-                  <a:xfrm>
-                    <a:off x="4271759" y="2095948"/>
-                    <a:ext cx="600482" cy="223091"/>
-                  </a:xfrm>
-                  <a:prstGeom prst="rect">
-                    <a:avLst/>
-                  </a:prstGeom>
-                  <a:noFill/>
-                </p:spPr>
-                <p:txBody>
-                  <a:bodyPr wrap="square" rtlCol="0">
-                    <a:spAutoFit/>
-                  </a:bodyPr>
-                  <a:lstStyle/>
-                  <a:p>
-                    <a:pPr algn="ctr"/>
-                    <a14:m>
-                      <m:oMathPara xmlns:m="http://schemas.openxmlformats.org/officeDocument/2006/math">
-                        <m:oMathParaPr>
-                          <m:jc m:val="centerGroup"/>
-                        </m:oMathParaPr>
-                        <m:oMath xmlns:m="http://schemas.openxmlformats.org/officeDocument/2006/math">
-                          <m:sSub>
-                            <m:sSubPr>
-                              <m:ctrlPr>
-                                <a:rPr lang="en-US" sz="1333" b="1" i="1">
-                                  <a:latin typeface="Cambria Math" panose="02040503050406030204" pitchFamily="18" charset="0"/>
-                                </a:rPr>
-                              </m:ctrlPr>
-                            </m:sSubPr>
-                            <m:e>
-                              <m:r>
-                                <a:rPr lang="en-US" sz="1333" b="1">
-                                  <a:latin typeface="Cambria Math" panose="02040503050406030204" pitchFamily="18" charset="0"/>
-                                </a:rPr>
-                                <m:t>𝐛</m:t>
-                              </m:r>
-                            </m:e>
-                            <m:sub>
-                              <m:r>
-                                <a:rPr lang="en-US" sz="1333" b="1">
-                                  <a:latin typeface="Cambria Math" panose="02040503050406030204" pitchFamily="18" charset="0"/>
-                                </a:rPr>
-                                <m:t>𝟐</m:t>
-                              </m:r>
-                            </m:sub>
-                          </m:sSub>
-                          <m:r>
-                            <a:rPr lang="en-US" sz="1333" b="1">
-                              <a:latin typeface="Cambria Math" panose="02040503050406030204" pitchFamily="18" charset="0"/>
-                            </a:rPr>
-                            <m:t>=</m:t>
-                          </m:r>
-                          <m:r>
-                            <a:rPr lang="en-US" sz="1333" b="1">
-                              <a:latin typeface="Cambria Math" panose="02040503050406030204" pitchFamily="18" charset="0"/>
-                            </a:rPr>
-                            <m:t>𝟐</m:t>
-                          </m:r>
-                        </m:oMath>
-                      </m:oMathPara>
-                    </a14:m>
-                    <a:endParaRPr lang="en-DE" sz="1333" b="1" dirty="0"/>
-                  </a:p>
-                </p:txBody>
-              </p:sp>
-            </mc:Choice>
-            <mc:Fallback>
-              <p:sp>
-                <p:nvSpPr>
-                  <p:cNvPr id="60" name="TextBox 59">
-                    <a:extLst>
-                      <a:ext uri="{FF2B5EF4-FFF2-40B4-BE49-F238E27FC236}">
-                        <a16:creationId xmlns:a16="http://schemas.microsoft.com/office/drawing/2014/main" id="{4BF521AD-0500-474F-B9BB-9142D8DA3B9B}"/>
-                      </a:ext>
-                    </a:extLst>
-                  </p:cNvPr>
-                  <p:cNvSpPr txBox="1">
-                    <a:spLocks noRot="1" noChangeAspect="1" noMove="1" noResize="1" noEditPoints="1" noAdjustHandles="1" noChangeArrowheads="1" noChangeShapeType="1" noTextEdit="1"/>
-                  </p:cNvSpPr>
-                  <p:nvPr/>
-                </p:nvSpPr>
-                <p:spPr>
-                  <a:xfrm>
-                    <a:off x="4271759" y="2095948"/>
-                    <a:ext cx="600482" cy="223091"/>
-                  </a:xfrm>
-                  <a:prstGeom prst="rect">
-                    <a:avLst/>
-                  </a:prstGeom>
-                  <a:blipFill>
-                    <a:blip r:embed="rId3"/>
-                    <a:stretch>
-                      <a:fillRect/>
-                    </a:stretch>
-                  </a:blipFill>
-                </p:spPr>
-                <p:txBody>
-                  <a:bodyPr/>
-                  <a:lstStyle/>
-                  <a:p>
-                    <a:r>
-                      <a:rPr lang="en-DE">
-                        <a:noFill/>
-                      </a:rPr>
-                      <a:t> </a:t>
-                    </a:r>
-                  </a:p>
-                </p:txBody>
-              </p:sp>
-            </mc:Fallback>
-          </mc:AlternateContent>
-        </p:grpSp>
-        <p:grpSp>
-          <p:nvGrpSpPr>
-            <p:cNvPr id="64" name="Group 63">
-              <a:extLst>
-                <a:ext uri="{FF2B5EF4-FFF2-40B4-BE49-F238E27FC236}">
-                  <a16:creationId xmlns:a16="http://schemas.microsoft.com/office/drawing/2014/main" id="{0CEC5188-5A64-E54C-A160-E00AC38A7A66}"/>
-                </a:ext>
-              </a:extLst>
-            </p:cNvPr>
-            <p:cNvGrpSpPr/>
-            <p:nvPr/>
-          </p:nvGrpSpPr>
-          <p:grpSpPr>
-            <a:xfrm>
-              <a:off x="2747164" y="3974256"/>
-              <a:ext cx="3961085" cy="721275"/>
-              <a:chOff x="2747164" y="3974256"/>
-              <a:chExt cx="3961085" cy="721275"/>
-            </a:xfrm>
-          </p:grpSpPr>
-          <mc:AlternateContent xmlns:mc="http://schemas.openxmlformats.org/markup-compatibility/2006">
-            <mc:Choice xmlns:a14="http://schemas.microsoft.com/office/drawing/2010/main" Requires="a14">
-              <p:sp>
-                <p:nvSpPr>
-                  <p:cNvPr id="65" name="TextBox 64">
-                    <a:extLst>
-                      <a:ext uri="{FF2B5EF4-FFF2-40B4-BE49-F238E27FC236}">
-                        <a16:creationId xmlns:a16="http://schemas.microsoft.com/office/drawing/2014/main" id="{667E91F8-D026-3143-9954-DCF7585B4AD9}"/>
-                      </a:ext>
-                    </a:extLst>
-                  </p:cNvPr>
-                  <p:cNvSpPr txBox="1"/>
-                  <p:nvPr/>
-                </p:nvSpPr>
-                <p:spPr>
-                  <a:xfrm>
-                    <a:off x="2747164" y="4383138"/>
-                    <a:ext cx="3961085" cy="312393"/>
-                  </a:xfrm>
-                  <a:prstGeom prst="rect">
-                    <a:avLst/>
-                  </a:prstGeom>
-                  <a:noFill/>
-                </p:spPr>
-                <p:txBody>
-                  <a:bodyPr wrap="none" lIns="0" tIns="0" rIns="0" bIns="0" rtlCol="0">
-                    <a:spAutoFit/>
-                  </a:bodyPr>
-                  <a:lstStyle/>
-                  <a:p>
-                    <a:pPr/>
-                    <a14:m>
-                      <m:oMathPara xmlns:m="http://schemas.openxmlformats.org/officeDocument/2006/math">
-                        <m:oMathParaPr>
-                          <m:jc m:val="left"/>
-                        </m:oMathParaPr>
-                        <m:oMath xmlns:m="http://schemas.openxmlformats.org/officeDocument/2006/math">
-                          <m:sSubSup>
-                            <m:sSubSupPr>
-                              <m:ctrlPr>
-                                <a:rPr lang="en-US" sz="2133" b="1" i="1">
-                                  <a:latin typeface="Cambria Math" panose="02040503050406030204" pitchFamily="18" charset="0"/>
-                                </a:rPr>
-                              </m:ctrlPr>
-                            </m:sSubSupPr>
-                            <m:e>
-                              <m:r>
-                                <a:rPr lang="en-US" sz="2133" b="1" i="1">
-                                  <a:latin typeface="Cambria Math" panose="02040503050406030204" pitchFamily="18" charset="0"/>
-                                </a:rPr>
-                                <m:t>𝒛</m:t>
-                              </m:r>
-                            </m:e>
-                            <m:sub>
-                              <m:r>
-                                <a:rPr lang="en-US" sz="2133" b="1" i="1">
-                                  <a:latin typeface="Cambria Math" panose="02040503050406030204" pitchFamily="18" charset="0"/>
-                                </a:rPr>
-                                <m:t>𝒊𝒏</m:t>
-                              </m:r>
-                            </m:sub>
-                            <m:sup>
-                              <m:r>
-                                <a:rPr lang="en-US" sz="2133" b="1">
-                                  <a:latin typeface="Cambria Math" panose="02040503050406030204" pitchFamily="18" charset="0"/>
-                                </a:rPr>
-                                <m:t>(</m:t>
-                              </m:r>
-                              <m:r>
-                                <a:rPr lang="en-US" sz="2133" b="1">
-                                  <a:latin typeface="Cambria Math" panose="02040503050406030204" pitchFamily="18" charset="0"/>
-                                </a:rPr>
-                                <m:t>𝟐</m:t>
-                              </m:r>
-                              <m:r>
-                                <a:rPr lang="en-US" sz="2133" b="1">
-                                  <a:latin typeface="Cambria Math" panose="02040503050406030204" pitchFamily="18" charset="0"/>
-                                </a:rPr>
-                                <m:t>)</m:t>
-                              </m:r>
-                            </m:sup>
-                          </m:sSubSup>
-                          <m:r>
-                            <a:rPr lang="en-US" sz="2133" b="1">
-                              <a:latin typeface="Cambria Math" panose="02040503050406030204" pitchFamily="18" charset="0"/>
-                            </a:rPr>
-                            <m:t>=</m:t>
-                          </m:r>
-                          <m:r>
-                            <a:rPr lang="en-US" sz="2133" b="1">
-                              <a:latin typeface="Cambria Math" panose="02040503050406030204" pitchFamily="18" charset="0"/>
-                            </a:rPr>
-                            <m:t>𝟏𝟏</m:t>
-                          </m:r>
-                          <m:r>
-                            <a:rPr lang="en-US" sz="2133" b="1">
-                              <a:latin typeface="Cambria Math" panose="02040503050406030204" pitchFamily="18" charset="0"/>
-                            </a:rPr>
-                            <m:t>∗</m:t>
-                          </m:r>
-                          <m:d>
-                            <m:dPr>
-                              <m:ctrlPr>
-                                <a:rPr lang="en-US" sz="2133" b="1" i="1">
-                                  <a:latin typeface="Cambria Math" panose="02040503050406030204" pitchFamily="18" charset="0"/>
-                                </a:rPr>
-                              </m:ctrlPr>
-                            </m:dPr>
-                            <m:e>
-                              <m:r>
-                                <a:rPr lang="en-US" sz="2133" b="1">
-                                  <a:solidFill>
-                                    <a:srgbClr val="FFC000"/>
-                                  </a:solidFill>
-                                  <a:latin typeface="Cambria Math" panose="02040503050406030204" pitchFamily="18" charset="0"/>
-                                </a:rPr>
-                                <m:t>−</m:t>
-                              </m:r>
-                              <m:r>
-                                <a:rPr lang="en-US" sz="2133" b="1">
-                                  <a:solidFill>
-                                    <a:srgbClr val="FFC000"/>
-                                  </a:solidFill>
-                                  <a:latin typeface="Cambria Math" panose="02040503050406030204" pitchFamily="18" charset="0"/>
-                                </a:rPr>
-                                <m:t>𝟑</m:t>
-                              </m:r>
-                            </m:e>
-                          </m:d>
-                          <m:r>
-                            <a:rPr lang="en-US" sz="2133" b="1">
-                              <a:latin typeface="Cambria Math" panose="02040503050406030204" pitchFamily="18" charset="0"/>
-                            </a:rPr>
-                            <m:t>+</m:t>
-                          </m:r>
-                          <m:d>
-                            <m:dPr>
-                              <m:ctrlPr>
-                                <a:rPr lang="en-US" sz="2133" b="1" i="1">
-                                  <a:latin typeface="Cambria Math" panose="02040503050406030204" pitchFamily="18" charset="0"/>
-                                </a:rPr>
-                              </m:ctrlPr>
-                            </m:dPr>
-                            <m:e>
-                              <m:r>
-                                <a:rPr lang="en-US" sz="2133" b="1">
-                                  <a:latin typeface="Cambria Math" panose="02040503050406030204" pitchFamily="18" charset="0"/>
-                                </a:rPr>
-                                <m:t>−</m:t>
-                              </m:r>
-                              <m:r>
-                                <a:rPr lang="en-US" sz="2133" b="1">
-                                  <a:latin typeface="Cambria Math" panose="02040503050406030204" pitchFamily="18" charset="0"/>
-                                </a:rPr>
-                                <m:t>𝟐</m:t>
-                              </m:r>
-                            </m:e>
-                          </m:d>
-                          <m:r>
-                            <a:rPr lang="en-US" sz="2133" b="1">
-                              <a:latin typeface="Cambria Math" panose="02040503050406030204" pitchFamily="18" charset="0"/>
-                            </a:rPr>
-                            <m:t>∗</m:t>
-                          </m:r>
-                          <m:r>
-                            <a:rPr lang="en-US" sz="2133" b="1">
-                              <a:solidFill>
-                                <a:srgbClr val="FFC000"/>
-                              </a:solidFill>
-                              <a:latin typeface="Cambria Math" panose="02040503050406030204" pitchFamily="18" charset="0"/>
-                            </a:rPr>
-                            <m:t>𝟏</m:t>
-                          </m:r>
-                          <m:r>
-                            <a:rPr lang="en-US" sz="2133" b="1">
-                              <a:latin typeface="Cambria Math" panose="02040503050406030204" pitchFamily="18" charset="0"/>
-                            </a:rPr>
-                            <m:t>+</m:t>
-                          </m:r>
-                          <m:r>
-                            <a:rPr lang="en-US" sz="2133" b="1">
-                              <a:latin typeface="Cambria Math" panose="02040503050406030204" pitchFamily="18" charset="0"/>
-                            </a:rPr>
-                            <m:t>𝟕</m:t>
-                          </m:r>
-                          <m:r>
-                            <a:rPr lang="en-US" sz="2133" b="1">
-                              <a:latin typeface="Cambria Math" panose="02040503050406030204" pitchFamily="18" charset="0"/>
-                            </a:rPr>
-                            <m:t>∗</m:t>
-                          </m:r>
-                          <m:r>
-                            <a:rPr lang="en-US" sz="2133" b="1">
-                              <a:solidFill>
-                                <a:srgbClr val="FFC000"/>
-                              </a:solidFill>
-                              <a:latin typeface="Cambria Math" panose="02040503050406030204" pitchFamily="18" charset="0"/>
-                            </a:rPr>
-                            <m:t>𝟓</m:t>
-                          </m:r>
-                          <m:r>
-                            <a:rPr lang="en-US" sz="2133" b="1">
-                              <a:latin typeface="Cambria Math" panose="02040503050406030204" pitchFamily="18" charset="0"/>
-                            </a:rPr>
-                            <m:t>+</m:t>
-                          </m:r>
-                          <m:r>
-                            <a:rPr lang="en-US" sz="2133" b="1">
-                              <a:latin typeface="Cambria Math" panose="02040503050406030204" pitchFamily="18" charset="0"/>
-                            </a:rPr>
-                            <m:t>𝟐</m:t>
-                          </m:r>
-                          <m:r>
-                            <a:rPr lang="en-US" sz="2133" b="1">
-                              <a:latin typeface="Cambria Math" panose="02040503050406030204" pitchFamily="18" charset="0"/>
-                            </a:rPr>
-                            <m:t>=</m:t>
-                          </m:r>
-                          <m:r>
-                            <a:rPr lang="en-US" sz="2133" b="1">
-                              <a:latin typeface="Cambria Math" panose="02040503050406030204" pitchFamily="18" charset="0"/>
-                            </a:rPr>
-                            <m:t>𝟐</m:t>
-                          </m:r>
-                        </m:oMath>
-                      </m:oMathPara>
-                    </a14:m>
-                    <a:endParaRPr lang="en-DE" sz="2133" b="1" dirty="0"/>
-                  </a:p>
-                </p:txBody>
-              </p:sp>
-            </mc:Choice>
-            <mc:Fallback>
-              <p:sp>
-                <p:nvSpPr>
-                  <p:cNvPr id="65" name="TextBox 64">
-                    <a:extLst>
-                      <a:ext uri="{FF2B5EF4-FFF2-40B4-BE49-F238E27FC236}">
-                        <a16:creationId xmlns:a16="http://schemas.microsoft.com/office/drawing/2014/main" id="{667E91F8-D026-3143-9954-DCF7585B4AD9}"/>
-                      </a:ext>
-                    </a:extLst>
-                  </p:cNvPr>
-                  <p:cNvSpPr txBox="1">
-                    <a:spLocks noRot="1" noChangeAspect="1" noMove="1" noResize="1" noEditPoints="1" noAdjustHandles="1" noChangeArrowheads="1" noChangeShapeType="1" noTextEdit="1"/>
-                  </p:cNvSpPr>
-                  <p:nvPr/>
-                </p:nvSpPr>
-                <p:spPr>
-                  <a:xfrm>
-                    <a:off x="2747164" y="4383138"/>
-                    <a:ext cx="3961085" cy="312393"/>
-                  </a:xfrm>
-                  <a:prstGeom prst="rect">
-                    <a:avLst/>
-                  </a:prstGeom>
-                  <a:blipFill>
-                    <a:blip r:embed="rId4"/>
-                    <a:stretch>
-                      <a:fillRect l="-1199" t="-3030" b="-18182"/>
-                    </a:stretch>
-                  </a:blipFill>
-                </p:spPr>
-                <p:txBody>
-                  <a:bodyPr/>
-                  <a:lstStyle/>
-                  <a:p>
-                    <a:r>
-                      <a:rPr lang="en-DE">
-                        <a:noFill/>
-                      </a:rPr>
-                      <a:t> </a:t>
-                    </a:r>
-                  </a:p>
-                </p:txBody>
-              </p:sp>
-            </mc:Fallback>
-          </mc:AlternateContent>
-          <mc:AlternateContent xmlns:mc="http://schemas.openxmlformats.org/markup-compatibility/2006">
-            <mc:Choice xmlns:a14="http://schemas.microsoft.com/office/drawing/2010/main" Requires="a14">
-              <p:sp>
-                <p:nvSpPr>
-                  <p:cNvPr id="66" name="TextBox 65">
-                    <a:extLst>
-                      <a:ext uri="{FF2B5EF4-FFF2-40B4-BE49-F238E27FC236}">
-                        <a16:creationId xmlns:a16="http://schemas.microsoft.com/office/drawing/2014/main" id="{7650BA1A-1599-D948-8830-6913AE99FB59}"/>
-                      </a:ext>
-                    </a:extLst>
-                  </p:cNvPr>
-                  <p:cNvSpPr txBox="1"/>
-                  <p:nvPr/>
-                </p:nvSpPr>
-                <p:spPr>
-                  <a:xfrm>
-                    <a:off x="2747164" y="3974256"/>
-                    <a:ext cx="3524571" cy="311239"/>
-                  </a:xfrm>
-                  <a:prstGeom prst="rect">
-                    <a:avLst/>
-                  </a:prstGeom>
-                  <a:noFill/>
-                </p:spPr>
-                <p:txBody>
-                  <a:bodyPr wrap="none" lIns="0" tIns="0" rIns="0" bIns="0" rtlCol="0">
-                    <a:spAutoFit/>
-                  </a:bodyPr>
-                  <a:lstStyle/>
-                  <a:p>
-                    <a14:m>
+                  <a14:m>
+                    <m:oMathPara xmlns:m="http://schemas.openxmlformats.org/officeDocument/2006/math">
+                      <m:oMathParaPr>
+                        <m:jc m:val="centerGroup"/>
+                      </m:oMathParaPr>
                       <m:oMath xmlns:m="http://schemas.openxmlformats.org/officeDocument/2006/math">
-                        <m:sSubSup>
-                          <m:sSubSupPr>
-                            <m:ctrlPr>
-                              <a:rPr lang="en-US" sz="2133" b="1" i="1">
-                                <a:latin typeface="Cambria Math" panose="02040503050406030204" pitchFamily="18" charset="0"/>
-                                <a:ea typeface="Cambria Math" panose="02040503050406030204" pitchFamily="18" charset="0"/>
-                              </a:rPr>
-                            </m:ctrlPr>
-                          </m:sSubSupPr>
-                          <m:e>
-                            <m:r>
-                              <a:rPr lang="en-US" sz="2133" b="1">
-                                <a:latin typeface="Cambria Math" panose="02040503050406030204" pitchFamily="18" charset="0"/>
-                                <a:ea typeface="Cambria Math" panose="02040503050406030204" pitchFamily="18" charset="0"/>
-                              </a:rPr>
-                              <m:t>𝐳</m:t>
-                            </m:r>
-                          </m:e>
-                          <m:sub>
-                            <m:r>
-                              <a:rPr lang="en-US" sz="2133" b="1">
-                                <a:latin typeface="Cambria Math" panose="02040503050406030204" pitchFamily="18" charset="0"/>
-                                <a:ea typeface="Cambria Math" panose="02040503050406030204" pitchFamily="18" charset="0"/>
-                              </a:rPr>
-                              <m:t>𝐢𝐧</m:t>
-                            </m:r>
-                          </m:sub>
-                          <m:sup>
-                            <m:r>
-                              <a:rPr lang="en-US" sz="2133" b="1">
-                                <a:latin typeface="Cambria Math" panose="02040503050406030204" pitchFamily="18" charset="0"/>
-                                <a:ea typeface="Cambria Math" panose="02040503050406030204" pitchFamily="18" charset="0"/>
-                              </a:rPr>
-                              <m:t>(</m:t>
-                            </m:r>
-                            <m:r>
-                              <a:rPr lang="en-US" sz="2133" b="1">
-                                <a:latin typeface="Cambria Math" panose="02040503050406030204" pitchFamily="18" charset="0"/>
-                                <a:ea typeface="Cambria Math" panose="02040503050406030204" pitchFamily="18" charset="0"/>
-                              </a:rPr>
-                              <m:t>𝟐</m:t>
-                            </m:r>
-                            <m:r>
-                              <a:rPr lang="en-US" sz="2133" b="1">
-                                <a:latin typeface="Cambria Math" panose="02040503050406030204" pitchFamily="18" charset="0"/>
-                                <a:ea typeface="Cambria Math" panose="02040503050406030204" pitchFamily="18" charset="0"/>
-                              </a:rPr>
-                              <m:t>)</m:t>
-                            </m:r>
-                          </m:sup>
-                        </m:sSubSup>
-                        <m:r>
-                          <a:rPr lang="en-US" sz="2133" b="1">
-                            <a:latin typeface="Cambria Math" panose="02040503050406030204" pitchFamily="18" charset="0"/>
-                            <a:ea typeface="Cambria Math" panose="02040503050406030204" pitchFamily="18" charset="0"/>
-                          </a:rPr>
-                          <m:t>=</m:t>
-                        </m:r>
                         <m:sSub>
                           <m:sSubPr>
                             <m:ctrlPr>
-                              <a:rPr lang="en-US" sz="2133" b="1" i="1">
+                              <a:rPr lang="en-US" sz="1333" b="1" i="1">
                                 <a:latin typeface="Cambria Math" panose="02040503050406030204" pitchFamily="18" charset="0"/>
-                                <a:ea typeface="Cambria Math" panose="02040503050406030204" pitchFamily="18" charset="0"/>
                               </a:rPr>
                             </m:ctrlPr>
                           </m:sSubPr>
                           <m:e>
                             <m:r>
-                              <a:rPr lang="en-US" sz="2133" b="1">
+                              <a:rPr lang="en-US" sz="1333" b="1">
                                 <a:latin typeface="Cambria Math" panose="02040503050406030204" pitchFamily="18" charset="0"/>
-                                <a:ea typeface="Cambria Math" panose="02040503050406030204" pitchFamily="18" charset="0"/>
-                              </a:rPr>
-                              <m:t>𝐰</m:t>
-                            </m:r>
-                          </m:e>
-                          <m:sub>
-                            <m:r>
-                              <a:rPr lang="en-US" sz="2133" b="1">
-                                <a:latin typeface="Cambria Math" panose="02040503050406030204" pitchFamily="18" charset="0"/>
-                                <a:ea typeface="Cambria Math" panose="02040503050406030204" pitchFamily="18" charset="0"/>
-                              </a:rPr>
-                              <m:t>𝟏𝟐</m:t>
-                            </m:r>
-                          </m:sub>
-                        </m:sSub>
-                        <m:sSup>
-                          <m:sSupPr>
-                            <m:ctrlPr>
-                              <a:rPr lang="en-US" sz="2133" b="1" i="1">
-                                <a:solidFill>
-                                  <a:srgbClr val="FFC000"/>
-                                </a:solidFill>
-                                <a:latin typeface="Cambria Math" panose="02040503050406030204" pitchFamily="18" charset="0"/>
-                                <a:ea typeface="Cambria Math" panose="02040503050406030204" pitchFamily="18" charset="0"/>
-                              </a:rPr>
-                            </m:ctrlPr>
-                          </m:sSupPr>
-                          <m:e>
-                            <m:r>
-                              <a:rPr lang="en-US" sz="2133" b="1">
-                                <a:solidFill>
-                                  <a:srgbClr val="FFC000"/>
-                                </a:solidFill>
-                                <a:latin typeface="Cambria Math" panose="02040503050406030204" pitchFamily="18" charset="0"/>
-                                <a:ea typeface="Cambria Math" panose="02040503050406030204" pitchFamily="18" charset="0"/>
-                              </a:rPr>
-                              <m:t>𝐱</m:t>
-                            </m:r>
-                          </m:e>
-                          <m:sup>
-                            <m:r>
-                              <a:rPr lang="en-US" sz="2133" b="1">
-                                <a:solidFill>
-                                  <a:srgbClr val="FFC000"/>
-                                </a:solidFill>
-                                <a:latin typeface="Cambria Math" panose="02040503050406030204" pitchFamily="18" charset="0"/>
-                                <a:ea typeface="Cambria Math" panose="02040503050406030204" pitchFamily="18" charset="0"/>
-                              </a:rPr>
-                              <m:t>(</m:t>
-                            </m:r>
-                            <m:r>
-                              <a:rPr lang="en-US" sz="2133" b="1">
-                                <a:solidFill>
-                                  <a:srgbClr val="FFC000"/>
-                                </a:solidFill>
-                                <a:latin typeface="Cambria Math" panose="02040503050406030204" pitchFamily="18" charset="0"/>
-                                <a:ea typeface="Cambria Math" panose="02040503050406030204" pitchFamily="18" charset="0"/>
-                              </a:rPr>
-                              <m:t>𝟏</m:t>
-                            </m:r>
-                            <m:r>
-                              <a:rPr lang="en-US" sz="2133" b="1">
-                                <a:solidFill>
-                                  <a:srgbClr val="FFC000"/>
-                                </a:solidFill>
-                                <a:latin typeface="Cambria Math" panose="02040503050406030204" pitchFamily="18" charset="0"/>
-                                <a:ea typeface="Cambria Math" panose="02040503050406030204" pitchFamily="18" charset="0"/>
-                              </a:rPr>
-                              <m:t>)</m:t>
-                            </m:r>
-                          </m:sup>
-                        </m:sSup>
-                        <m:r>
-                          <a:rPr lang="en-US" sz="2133" b="1">
-                            <a:latin typeface="Cambria Math" panose="02040503050406030204" pitchFamily="18" charset="0"/>
-                            <a:ea typeface="Cambria Math" panose="02040503050406030204" pitchFamily="18" charset="0"/>
-                          </a:rPr>
-                          <m:t>+</m:t>
-                        </m:r>
-                        <m:sSub>
-                          <m:sSubPr>
-                            <m:ctrlPr>
-                              <a:rPr lang="en-US" sz="2133" b="1" i="1">
-                                <a:latin typeface="Cambria Math" panose="02040503050406030204" pitchFamily="18" charset="0"/>
-                                <a:ea typeface="Cambria Math" panose="02040503050406030204" pitchFamily="18" charset="0"/>
-                              </a:rPr>
-                            </m:ctrlPr>
-                          </m:sSubPr>
-                          <m:e>
-                            <m:r>
-                              <a:rPr lang="en-US" sz="2133" b="1">
-                                <a:latin typeface="Cambria Math" panose="02040503050406030204" pitchFamily="18" charset="0"/>
-                                <a:ea typeface="Cambria Math" panose="02040503050406030204" pitchFamily="18" charset="0"/>
-                              </a:rPr>
-                              <m:t>𝐰</m:t>
-                            </m:r>
-                          </m:e>
-                          <m:sub>
-                            <m:r>
-                              <a:rPr lang="en-US" sz="2133" b="1">
-                                <a:latin typeface="Cambria Math" panose="02040503050406030204" pitchFamily="18" charset="0"/>
-                                <a:ea typeface="Cambria Math" panose="02040503050406030204" pitchFamily="18" charset="0"/>
-                              </a:rPr>
-                              <m:t>𝟐𝟐</m:t>
-                            </m:r>
-                          </m:sub>
-                        </m:sSub>
-                        <m:sSup>
-                          <m:sSupPr>
-                            <m:ctrlPr>
-                              <a:rPr lang="en-US" sz="2133" b="1" i="1">
-                                <a:solidFill>
-                                  <a:srgbClr val="FFC000"/>
-                                </a:solidFill>
-                                <a:latin typeface="Cambria Math" panose="02040503050406030204" pitchFamily="18" charset="0"/>
-                                <a:ea typeface="Cambria Math" panose="02040503050406030204" pitchFamily="18" charset="0"/>
-                              </a:rPr>
-                            </m:ctrlPr>
-                          </m:sSupPr>
-                          <m:e>
-                            <m:r>
-                              <a:rPr lang="en-US" sz="2133" b="1">
-                                <a:solidFill>
-                                  <a:srgbClr val="FFC000"/>
-                                </a:solidFill>
-                                <a:latin typeface="Cambria Math" panose="02040503050406030204" pitchFamily="18" charset="0"/>
-                                <a:ea typeface="Cambria Math" panose="02040503050406030204" pitchFamily="18" charset="0"/>
-                              </a:rPr>
-                              <m:t>𝐱</m:t>
-                            </m:r>
-                          </m:e>
-                          <m:sup>
-                            <m:r>
-                              <a:rPr lang="en-US" sz="2133" b="1">
-                                <a:solidFill>
-                                  <a:srgbClr val="FFC000"/>
-                                </a:solidFill>
-                                <a:latin typeface="Cambria Math" panose="02040503050406030204" pitchFamily="18" charset="0"/>
-                                <a:ea typeface="Cambria Math" panose="02040503050406030204" pitchFamily="18" charset="0"/>
-                              </a:rPr>
-                              <m:t>(</m:t>
-                            </m:r>
-                            <m:r>
-                              <a:rPr lang="en-US" sz="2133" b="1">
-                                <a:solidFill>
-                                  <a:srgbClr val="FFC000"/>
-                                </a:solidFill>
-                                <a:latin typeface="Cambria Math" panose="02040503050406030204" pitchFamily="18" charset="0"/>
-                                <a:ea typeface="Cambria Math" panose="02040503050406030204" pitchFamily="18" charset="0"/>
-                              </a:rPr>
-                              <m:t>𝟐</m:t>
-                            </m:r>
-                            <m:r>
-                              <a:rPr lang="en-US" sz="2133" b="1">
-                                <a:solidFill>
-                                  <a:srgbClr val="FFC000"/>
-                                </a:solidFill>
-                                <a:latin typeface="Cambria Math" panose="02040503050406030204" pitchFamily="18" charset="0"/>
-                                <a:ea typeface="Cambria Math" panose="02040503050406030204" pitchFamily="18" charset="0"/>
-                              </a:rPr>
-                              <m:t>)</m:t>
-                            </m:r>
-                          </m:sup>
-                        </m:sSup>
-                      </m:oMath>
-                    </a14:m>
-                    <a:r>
-                      <a:rPr lang="en-DE" sz="2133" b="1" dirty="0">
-                        <a:latin typeface="Cambria Math" panose="02040503050406030204" pitchFamily="18" charset="0"/>
-                        <a:ea typeface="Cambria Math" panose="02040503050406030204" pitchFamily="18" charset="0"/>
-                      </a:rPr>
-                      <a:t>+</a:t>
-                    </a:r>
-                    <a:r>
-                      <a:rPr lang="en-US" sz="2133" b="1" dirty="0">
-                        <a:latin typeface="Cambria Math" panose="02040503050406030204" pitchFamily="18" charset="0"/>
-                        <a:ea typeface="Cambria Math" panose="02040503050406030204" pitchFamily="18" charset="0"/>
-                      </a:rPr>
-                      <a:t> </a:t>
-                    </a:r>
-                    <a14:m>
-                      <m:oMath xmlns:m="http://schemas.openxmlformats.org/officeDocument/2006/math">
-                        <m:sSub>
-                          <m:sSubPr>
-                            <m:ctrlPr>
-                              <a:rPr lang="en-US" sz="2133" b="1" i="1">
-                                <a:latin typeface="Cambria Math" panose="02040503050406030204" pitchFamily="18" charset="0"/>
-                                <a:ea typeface="Cambria Math" panose="02040503050406030204" pitchFamily="18" charset="0"/>
-                              </a:rPr>
-                            </m:ctrlPr>
-                          </m:sSubPr>
-                          <m:e>
-                            <m:r>
-                              <a:rPr lang="en-US" sz="2133" b="1">
-                                <a:latin typeface="Cambria Math" panose="02040503050406030204" pitchFamily="18" charset="0"/>
-                                <a:ea typeface="Cambria Math" panose="02040503050406030204" pitchFamily="18" charset="0"/>
-                              </a:rPr>
-                              <m:t>𝐰</m:t>
-                            </m:r>
-                          </m:e>
-                          <m:sub>
-                            <m:r>
-                              <a:rPr lang="en-US" sz="2133" b="1">
-                                <a:latin typeface="Cambria Math" panose="02040503050406030204" pitchFamily="18" charset="0"/>
-                                <a:ea typeface="Cambria Math" panose="02040503050406030204" pitchFamily="18" charset="0"/>
-                              </a:rPr>
-                              <m:t>𝟑𝟐</m:t>
-                            </m:r>
-                          </m:sub>
-                        </m:sSub>
-                        <m:sSup>
-                          <m:sSupPr>
-                            <m:ctrlPr>
-                              <a:rPr lang="en-US" sz="2133" b="1" i="1">
-                                <a:solidFill>
-                                  <a:srgbClr val="FFC000"/>
-                                </a:solidFill>
-                                <a:latin typeface="Cambria Math" panose="02040503050406030204" pitchFamily="18" charset="0"/>
-                                <a:ea typeface="Cambria Math" panose="02040503050406030204" pitchFamily="18" charset="0"/>
-                              </a:rPr>
-                            </m:ctrlPr>
-                          </m:sSupPr>
-                          <m:e>
-                            <m:r>
-                              <a:rPr lang="en-US" sz="2133" b="1">
-                                <a:solidFill>
-                                  <a:srgbClr val="FFC000"/>
-                                </a:solidFill>
-                                <a:latin typeface="Cambria Math" panose="02040503050406030204" pitchFamily="18" charset="0"/>
-                                <a:ea typeface="Cambria Math" panose="02040503050406030204" pitchFamily="18" charset="0"/>
-                              </a:rPr>
-                              <m:t>𝐱</m:t>
-                            </m:r>
-                          </m:e>
-                          <m:sup>
-                            <m:r>
-                              <a:rPr lang="en-US" sz="2133" b="1">
-                                <a:solidFill>
-                                  <a:srgbClr val="FFC000"/>
-                                </a:solidFill>
-                                <a:latin typeface="Cambria Math" panose="02040503050406030204" pitchFamily="18" charset="0"/>
-                                <a:ea typeface="Cambria Math" panose="02040503050406030204" pitchFamily="18" charset="0"/>
-                              </a:rPr>
-                              <m:t>(</m:t>
-                            </m:r>
-                            <m:r>
-                              <a:rPr lang="en-US" sz="2133" b="1">
-                                <a:solidFill>
-                                  <a:srgbClr val="FFC000"/>
-                                </a:solidFill>
-                                <a:latin typeface="Cambria Math" panose="02040503050406030204" pitchFamily="18" charset="0"/>
-                                <a:ea typeface="Cambria Math" panose="02040503050406030204" pitchFamily="18" charset="0"/>
-                              </a:rPr>
-                              <m:t>𝟑</m:t>
-                            </m:r>
-                            <m:r>
-                              <a:rPr lang="en-US" sz="2133" b="1">
-                                <a:solidFill>
-                                  <a:srgbClr val="FFC000"/>
-                                </a:solidFill>
-                                <a:latin typeface="Cambria Math" panose="02040503050406030204" pitchFamily="18" charset="0"/>
-                                <a:ea typeface="Cambria Math" panose="02040503050406030204" pitchFamily="18" charset="0"/>
-                              </a:rPr>
-                              <m:t>)</m:t>
-                            </m:r>
-                          </m:sup>
-                        </m:sSup>
-                      </m:oMath>
-                    </a14:m>
-                    <a:r>
-                      <a:rPr lang="en-DE" sz="2133" b="1" dirty="0">
-                        <a:latin typeface="Cambria Math" panose="02040503050406030204" pitchFamily="18" charset="0"/>
-                        <a:ea typeface="Cambria Math" panose="02040503050406030204" pitchFamily="18" charset="0"/>
-                      </a:rPr>
-                      <a:t>+</a:t>
-                    </a:r>
-                    <a:r>
-                      <a:rPr lang="en-US" sz="2133" b="1" dirty="0">
-                        <a:latin typeface="Cambria Math" panose="02040503050406030204" pitchFamily="18" charset="0"/>
-                        <a:ea typeface="Cambria Math" panose="02040503050406030204" pitchFamily="18" charset="0"/>
-                      </a:rPr>
-                      <a:t> </a:t>
-                    </a:r>
-                    <a14:m>
-                      <m:oMath xmlns:m="http://schemas.openxmlformats.org/officeDocument/2006/math">
-                        <m:sSub>
-                          <m:sSubPr>
-                            <m:ctrlPr>
-                              <a:rPr lang="en-US" sz="2133" b="1" i="1">
-                                <a:latin typeface="Cambria Math" panose="02040503050406030204" pitchFamily="18" charset="0"/>
-                                <a:ea typeface="Cambria Math" panose="02040503050406030204" pitchFamily="18" charset="0"/>
-                              </a:rPr>
-                            </m:ctrlPr>
-                          </m:sSubPr>
-                          <m:e>
-                            <m:r>
-                              <a:rPr lang="en-US" sz="2133" b="1">
-                                <a:latin typeface="Cambria Math" panose="02040503050406030204" pitchFamily="18" charset="0"/>
-                                <a:ea typeface="Cambria Math" panose="02040503050406030204" pitchFamily="18" charset="0"/>
                               </a:rPr>
                               <m:t>𝐛</m:t>
                             </m:r>
                           </m:e>
                           <m:sub>
                             <m:r>
-                              <a:rPr lang="en-US" sz="2133" b="1">
+                              <a:rPr lang="en-US" sz="1333" b="1">
                                 <a:latin typeface="Cambria Math" panose="02040503050406030204" pitchFamily="18" charset="0"/>
-                                <a:ea typeface="Cambria Math" panose="02040503050406030204" pitchFamily="18" charset="0"/>
                               </a:rPr>
                               <m:t>𝟐</m:t>
                             </m:r>
                           </m:sub>
                         </m:sSub>
+                        <m:r>
+                          <a:rPr lang="en-US" sz="1333" b="1">
+                            <a:latin typeface="Cambria Math" panose="02040503050406030204" pitchFamily="18" charset="0"/>
+                          </a:rPr>
+                          <m:t>=</m:t>
+                        </m:r>
+                        <m:r>
+                          <a:rPr lang="en-US" sz="1333" b="1">
+                            <a:latin typeface="Cambria Math" panose="02040503050406030204" pitchFamily="18" charset="0"/>
+                          </a:rPr>
+                          <m:t>𝟐</m:t>
+                        </m:r>
                       </m:oMath>
-                    </a14:m>
-                    <a:endParaRPr lang="en-DE" sz="2133" b="1" dirty="0">
-                      <a:latin typeface="Cambria Math" panose="02040503050406030204" pitchFamily="18" charset="0"/>
-                      <a:ea typeface="Cambria Math" panose="02040503050406030204" pitchFamily="18" charset="0"/>
-                    </a:endParaRPr>
-                  </a:p>
-                </p:txBody>
-              </p:sp>
-            </mc:Choice>
-            <mc:Fallback>
-              <p:sp>
-                <p:nvSpPr>
-                  <p:cNvPr id="66" name="TextBox 65">
-                    <a:extLst>
-                      <a:ext uri="{FF2B5EF4-FFF2-40B4-BE49-F238E27FC236}">
-                        <a16:creationId xmlns:a16="http://schemas.microsoft.com/office/drawing/2014/main" id="{7650BA1A-1599-D948-8830-6913AE99FB59}"/>
-                      </a:ext>
-                    </a:extLst>
-                  </p:cNvPr>
-                  <p:cNvSpPr txBox="1">
-                    <a:spLocks noRot="1" noChangeAspect="1" noMove="1" noResize="1" noEditPoints="1" noAdjustHandles="1" noChangeArrowheads="1" noChangeShapeType="1" noTextEdit="1"/>
-                  </p:cNvSpPr>
-                  <p:nvPr/>
-                </p:nvSpPr>
-                <p:spPr>
-                  <a:xfrm>
-                    <a:off x="2747164" y="3974256"/>
-                    <a:ext cx="3524571" cy="311239"/>
-                  </a:xfrm>
-                  <a:prstGeom prst="rect">
-                    <a:avLst/>
-                  </a:prstGeom>
-                  <a:blipFill>
-                    <a:blip r:embed="rId5"/>
-                    <a:stretch>
-                      <a:fillRect l="-1348" t="-3030" r="-270" b="-39394"/>
-                    </a:stretch>
-                  </a:blipFill>
-                </p:spPr>
-                <p:txBody>
-                  <a:bodyPr/>
-                  <a:lstStyle/>
-                  <a:p>
-                    <a:r>
-                      <a:rPr lang="en-DE">
-                        <a:noFill/>
-                      </a:rPr>
-                      <a:t> </a:t>
-                    </a:r>
-                  </a:p>
-                </p:txBody>
-              </p:sp>
-            </mc:Fallback>
-          </mc:AlternateContent>
-        </p:grpSp>
+                    </m:oMathPara>
+                  </a14:m>
+                  <a:endParaRPr lang="en-DE" sz="1333" b="1" dirty="0"/>
+                </a:p>
+              </p:txBody>
+            </p:sp>
+          </mc:Choice>
+          <mc:Fallback xmlns="">
+            <p:sp>
+              <p:nvSpPr>
+                <p:cNvPr id="60" name="TextBox 59">
+                  <a:extLst>
+                    <a:ext uri="{FF2B5EF4-FFF2-40B4-BE49-F238E27FC236}">
+                      <a16:creationId xmlns:a16="http://schemas.microsoft.com/office/drawing/2014/main" id="{4BF521AD-0500-474F-B9BB-9142D8DA3B9B}"/>
+                    </a:ext>
+                  </a:extLst>
+                </p:cNvPr>
+                <p:cNvSpPr txBox="1">
+                  <a:spLocks noRot="1" noChangeAspect="1" noMove="1" noResize="1" noEditPoints="1" noAdjustHandles="1" noChangeArrowheads="1" noChangeShapeType="1" noTextEdit="1"/>
+                </p:cNvSpPr>
+                <p:nvPr/>
+              </p:nvSpPr>
+              <p:spPr>
+                <a:xfrm>
+                  <a:off x="4271759" y="2095948"/>
+                  <a:ext cx="600482" cy="223091"/>
+                </a:xfrm>
+                <a:prstGeom prst="rect">
+                  <a:avLst/>
+                </a:prstGeom>
+                <a:blipFill>
+                  <a:blip r:embed="rId3"/>
+                  <a:stretch>
+                    <a:fillRect/>
+                  </a:stretch>
+                </a:blipFill>
+              </p:spPr>
+              <p:txBody>
+                <a:bodyPr/>
+                <a:lstStyle/>
+                <a:p>
+                  <a:r>
+                    <a:rPr lang="en-DE">
+                      <a:noFill/>
+                    </a:rPr>
+                    <a:t> </a:t>
+                  </a:r>
+                </a:p>
+              </p:txBody>
+            </p:sp>
+          </mc:Fallback>
+        </mc:AlternateContent>
       </p:grpSp>
     </p:spTree>
     <p:extLst>
